--- a/University_of_Waterloo/Fall_2021/MATH135/UW_Fall2021_MATH135_Lecture8.pptx
+++ b/University_of_Waterloo/Fall_2021/MATH135/UW_Fall2021_MATH135_Lecture8.pptx
@@ -5,7 +5,7 @@
     <p:sldMasterId id="2147483648" r:id="rId1"/>
   </p:sldMasterIdLst>
   <p:notesMasterIdLst>
-    <p:notesMasterId r:id="rId22"/>
+    <p:notesMasterId r:id="rId17"/>
   </p:notesMasterIdLst>
   <p:sldIdLst>
     <p:sldId id="361" r:id="rId2"/>
@@ -17,17 +17,12 @@
     <p:sldId id="256" r:id="rId8"/>
     <p:sldId id="355" r:id="rId9"/>
     <p:sldId id="354" r:id="rId10"/>
-    <p:sldId id="342" r:id="rId11"/>
-    <p:sldId id="344" r:id="rId12"/>
-    <p:sldId id="343" r:id="rId13"/>
-    <p:sldId id="350" r:id="rId14"/>
-    <p:sldId id="351" r:id="rId15"/>
-    <p:sldId id="360" r:id="rId16"/>
-    <p:sldId id="352" r:id="rId17"/>
-    <p:sldId id="353" r:id="rId18"/>
-    <p:sldId id="359" r:id="rId19"/>
-    <p:sldId id="347" r:id="rId20"/>
-    <p:sldId id="348" r:id="rId21"/>
+    <p:sldId id="350" r:id="rId11"/>
+    <p:sldId id="351" r:id="rId12"/>
+    <p:sldId id="360" r:id="rId13"/>
+    <p:sldId id="352" r:id="rId14"/>
+    <p:sldId id="353" r:id="rId15"/>
+    <p:sldId id="359" r:id="rId16"/>
   </p:sldIdLst>
   <p:sldSz cx="12192000" cy="6858000"/>
   <p:notesSz cx="6858000" cy="9144000"/>
@@ -4834,2619 +4829,6 @@
         </p:nvSpPr>
         <p:spPr>
           <a:xfrm>
-            <a:off x="348776" y="628878"/>
-            <a:ext cx="11677649" cy="6494085"/>
-          </a:xfrm>
-          <a:prstGeom prst="rect">
-            <a:avLst/>
-          </a:prstGeom>
-          <a:noFill/>
-        </p:spPr>
-        <p:txBody>
-          <a:bodyPr wrap="square" rtlCol="0">
-            <a:spAutoFit/>
-          </a:bodyPr>
-          <a:lstStyle/>
-          <a:p>
-            <a:pPr marL="685800" indent="-685800">
-              <a:buFont typeface="Arial" panose="020B0604020202020204" pitchFamily="34" charset="0"/>
-              <a:buChar char="•"/>
-            </a:pPr>
-            <a:r>
-              <a:rPr lang="en-US" sz="5400" dirty="0"/>
-              <a:t>Converse</a:t>
-            </a:r>
-          </a:p>
-          <a:p>
-            <a:pPr marL="685800" indent="-685800">
-              <a:buFont typeface="Arial" panose="020B0604020202020204" pitchFamily="34" charset="0"/>
-              <a:buChar char="•"/>
-            </a:pPr>
-            <a:r>
-              <a:rPr lang="en-US" sz="5400" dirty="0"/>
-              <a:t>Contrapositive</a:t>
-            </a:r>
-          </a:p>
-          <a:p>
-            <a:pPr marL="685800" indent="-685800">
-              <a:buFont typeface="Arial" panose="020B0604020202020204" pitchFamily="34" charset="0"/>
-              <a:buChar char="•"/>
-            </a:pPr>
-            <a:r>
-              <a:rPr lang="en-US" sz="5400" dirty="0"/>
-              <a:t>Counter-example</a:t>
-            </a:r>
-          </a:p>
-          <a:p>
-            <a:pPr marL="685800" indent="-685800">
-              <a:buFont typeface="Arial" panose="020B0604020202020204" pitchFamily="34" charset="0"/>
-              <a:buChar char="•"/>
-            </a:pPr>
-            <a:r>
-              <a:rPr lang="en-US" sz="5400" dirty="0"/>
-              <a:t>Contradiction</a:t>
-            </a:r>
-          </a:p>
-          <a:p>
-            <a:endParaRPr lang="en-US" sz="4000" dirty="0"/>
-          </a:p>
-          <a:p>
-            <a:pPr marL="342900" indent="-342900">
-              <a:buFont typeface="Arial" panose="020B0604020202020204" pitchFamily="34" charset="0"/>
-              <a:buChar char="•"/>
-            </a:pPr>
-            <a:endParaRPr lang="en-US" sz="4000" dirty="0"/>
-          </a:p>
-          <a:p>
-            <a:pPr marL="342900" indent="-342900">
-              <a:buFont typeface="Arial" panose="020B0604020202020204" pitchFamily="34" charset="0"/>
-              <a:buChar char="•"/>
-            </a:pPr>
-            <a:endParaRPr lang="en-US" sz="4000" dirty="0"/>
-          </a:p>
-          <a:p>
-            <a:endParaRPr lang="en-US" sz="4000" dirty="0"/>
-          </a:p>
-          <a:p>
-            <a:endParaRPr lang="en-US" sz="4000" dirty="0"/>
-          </a:p>
-        </p:txBody>
-      </p:sp>
-    </p:spTree>
-    <p:extLst>
-      <p:ext uri="{BB962C8B-B14F-4D97-AF65-F5344CB8AC3E}">
-        <p14:creationId xmlns:p14="http://schemas.microsoft.com/office/powerpoint/2010/main" val="3027106787"/>
-      </p:ext>
-    </p:extLst>
-  </p:cSld>
-  <p:clrMapOvr>
-    <a:masterClrMapping/>
-  </p:clrMapOvr>
-</p:sld>
-</file>
-
-<file path=ppt/slides/slide11.xml><?xml version="1.0" encoding="utf-8"?>
-<p:sld xmlns:a="http://schemas.openxmlformats.org/drawingml/2006/main" xmlns:r="http://schemas.openxmlformats.org/officeDocument/2006/relationships" xmlns:p="http://schemas.openxmlformats.org/presentationml/2006/main">
-  <p:cSld>
-    <p:spTree>
-      <p:nvGrpSpPr>
-        <p:cNvPr id="1" name=""/>
-        <p:cNvGrpSpPr/>
-        <p:nvPr/>
-      </p:nvGrpSpPr>
-      <p:grpSpPr>
-        <a:xfrm>
-          <a:off x="0" y="0"/>
-          <a:ext cx="0" cy="0"/>
-          <a:chOff x="0" y="0"/>
-          <a:chExt cx="0" cy="0"/>
-        </a:xfrm>
-      </p:grpSpPr>
-      <p:sp>
-        <p:nvSpPr>
-          <p:cNvPr id="3" name="Rectangle 2">
-            <a:extLst>
-              <a:ext uri="{FF2B5EF4-FFF2-40B4-BE49-F238E27FC236}">
-                <a16:creationId xmlns:a16="http://schemas.microsoft.com/office/drawing/2014/main" id="{25C9728F-2044-42A6-9DD9-EA052EA5C07D}"/>
-              </a:ext>
-            </a:extLst>
-          </p:cNvPr>
-          <p:cNvSpPr/>
-          <p:nvPr/>
-        </p:nvSpPr>
-        <p:spPr>
-          <a:xfrm>
-            <a:off x="4893077" y="5184563"/>
-            <a:ext cx="433526" cy="266331"/>
-          </a:xfrm>
-          <a:prstGeom prst="rect">
-            <a:avLst/>
-          </a:prstGeom>
-          <a:solidFill>
-            <a:schemeClr val="bg1"/>
-          </a:solidFill>
-          <a:ln>
-            <a:solidFill>
-              <a:schemeClr val="bg1"/>
-            </a:solidFill>
-          </a:ln>
-        </p:spPr>
-        <p:style>
-          <a:lnRef idx="2">
-            <a:schemeClr val="accent1">
-              <a:shade val="50000"/>
-            </a:schemeClr>
-          </a:lnRef>
-          <a:fillRef idx="1">
-            <a:schemeClr val="accent1"/>
-          </a:fillRef>
-          <a:effectRef idx="0">
-            <a:schemeClr val="accent1"/>
-          </a:effectRef>
-          <a:fontRef idx="minor">
-            <a:schemeClr val="lt1"/>
-          </a:fontRef>
-        </p:style>
-        <p:txBody>
-          <a:bodyPr rtlCol="0" anchor="ctr"/>
-          <a:lstStyle/>
-          <a:p>
-            <a:pPr algn="ctr"/>
-            <a:endParaRPr lang="en-US"/>
-          </a:p>
-        </p:txBody>
-      </p:sp>
-      <p:sp>
-        <p:nvSpPr>
-          <p:cNvPr id="4" name="Rectangle 3">
-            <a:extLst>
-              <a:ext uri="{FF2B5EF4-FFF2-40B4-BE49-F238E27FC236}">
-                <a16:creationId xmlns:a16="http://schemas.microsoft.com/office/drawing/2014/main" id="{0F9594C5-155D-46B0-8861-CBC068AC1F66}"/>
-              </a:ext>
-            </a:extLst>
-          </p:cNvPr>
-          <p:cNvSpPr/>
-          <p:nvPr/>
-        </p:nvSpPr>
-        <p:spPr>
-          <a:xfrm>
-            <a:off x="7460203" y="4859045"/>
-            <a:ext cx="433526" cy="266331"/>
-          </a:xfrm>
-          <a:prstGeom prst="rect">
-            <a:avLst/>
-          </a:prstGeom>
-          <a:solidFill>
-            <a:schemeClr val="bg1"/>
-          </a:solidFill>
-          <a:ln>
-            <a:solidFill>
-              <a:schemeClr val="bg1"/>
-            </a:solidFill>
-          </a:ln>
-        </p:spPr>
-        <p:style>
-          <a:lnRef idx="2">
-            <a:schemeClr val="accent1">
-              <a:shade val="50000"/>
-            </a:schemeClr>
-          </a:lnRef>
-          <a:fillRef idx="1">
-            <a:schemeClr val="accent1"/>
-          </a:fillRef>
-          <a:effectRef idx="0">
-            <a:schemeClr val="accent1"/>
-          </a:effectRef>
-          <a:fontRef idx="minor">
-            <a:schemeClr val="lt1"/>
-          </a:fontRef>
-        </p:style>
-        <p:txBody>
-          <a:bodyPr rtlCol="0" anchor="ctr"/>
-          <a:lstStyle/>
-          <a:p>
-            <a:pPr algn="ctr"/>
-            <a:endParaRPr lang="en-US"/>
-          </a:p>
-        </p:txBody>
-      </p:sp>
-      <p:sp>
-        <p:nvSpPr>
-          <p:cNvPr id="6" name="Rectangle 5">
-            <a:extLst>
-              <a:ext uri="{FF2B5EF4-FFF2-40B4-BE49-F238E27FC236}">
-                <a16:creationId xmlns:a16="http://schemas.microsoft.com/office/drawing/2014/main" id="{3C8E3BA1-D526-4030-9953-9AC120817B0B}"/>
-              </a:ext>
-            </a:extLst>
-          </p:cNvPr>
-          <p:cNvSpPr/>
-          <p:nvPr/>
-        </p:nvSpPr>
-        <p:spPr>
-          <a:xfrm>
-            <a:off x="7535524" y="5177162"/>
-            <a:ext cx="433526" cy="266331"/>
-          </a:xfrm>
-          <a:prstGeom prst="rect">
-            <a:avLst/>
-          </a:prstGeom>
-          <a:solidFill>
-            <a:schemeClr val="bg1"/>
-          </a:solidFill>
-          <a:ln>
-            <a:solidFill>
-              <a:schemeClr val="bg1"/>
-            </a:solidFill>
-          </a:ln>
-        </p:spPr>
-        <p:style>
-          <a:lnRef idx="2">
-            <a:schemeClr val="accent1">
-              <a:shade val="50000"/>
-            </a:schemeClr>
-          </a:lnRef>
-          <a:fillRef idx="1">
-            <a:schemeClr val="accent1"/>
-          </a:fillRef>
-          <a:effectRef idx="0">
-            <a:schemeClr val="accent1"/>
-          </a:effectRef>
-          <a:fontRef idx="minor">
-            <a:schemeClr val="lt1"/>
-          </a:fontRef>
-        </p:style>
-        <p:txBody>
-          <a:bodyPr rtlCol="0" anchor="ctr"/>
-          <a:lstStyle/>
-          <a:p>
-            <a:pPr algn="ctr"/>
-            <a:endParaRPr lang="en-US"/>
-          </a:p>
-        </p:txBody>
-      </p:sp>
-      <p:sp>
-        <p:nvSpPr>
-          <p:cNvPr id="7" name="Rectangle 6">
-            <a:extLst>
-              <a:ext uri="{FF2B5EF4-FFF2-40B4-BE49-F238E27FC236}">
-                <a16:creationId xmlns:a16="http://schemas.microsoft.com/office/drawing/2014/main" id="{09D295C6-620C-4F29-B14B-1F4854583011}"/>
-              </a:ext>
-            </a:extLst>
-          </p:cNvPr>
-          <p:cNvSpPr/>
-          <p:nvPr/>
-        </p:nvSpPr>
-        <p:spPr>
-          <a:xfrm>
-            <a:off x="5871706" y="4866441"/>
-            <a:ext cx="433526" cy="266331"/>
-          </a:xfrm>
-          <a:prstGeom prst="rect">
-            <a:avLst/>
-          </a:prstGeom>
-          <a:solidFill>
-            <a:schemeClr val="bg1"/>
-          </a:solidFill>
-          <a:ln>
-            <a:solidFill>
-              <a:schemeClr val="bg1"/>
-            </a:solidFill>
-          </a:ln>
-        </p:spPr>
-        <p:style>
-          <a:lnRef idx="2">
-            <a:schemeClr val="accent1">
-              <a:shade val="50000"/>
-            </a:schemeClr>
-          </a:lnRef>
-          <a:fillRef idx="1">
-            <a:schemeClr val="accent1"/>
-          </a:fillRef>
-          <a:effectRef idx="0">
-            <a:schemeClr val="accent1"/>
-          </a:effectRef>
-          <a:fontRef idx="minor">
-            <a:schemeClr val="lt1"/>
-          </a:fontRef>
-        </p:style>
-        <p:txBody>
-          <a:bodyPr rtlCol="0" anchor="ctr"/>
-          <a:lstStyle/>
-          <a:p>
-            <a:pPr algn="ctr"/>
-            <a:endParaRPr lang="en-US"/>
-          </a:p>
-        </p:txBody>
-      </p:sp>
-      <p:sp>
-        <p:nvSpPr>
-          <p:cNvPr id="8" name="Rectangle 7">
-            <a:extLst>
-              <a:ext uri="{FF2B5EF4-FFF2-40B4-BE49-F238E27FC236}">
-                <a16:creationId xmlns:a16="http://schemas.microsoft.com/office/drawing/2014/main" id="{87FC4ED4-8B17-43EE-A03F-D392E2A8FCE7}"/>
-              </a:ext>
-            </a:extLst>
-          </p:cNvPr>
-          <p:cNvSpPr/>
-          <p:nvPr/>
-        </p:nvSpPr>
-        <p:spPr>
-          <a:xfrm>
-            <a:off x="4893077" y="4856085"/>
-            <a:ext cx="433526" cy="266331"/>
-          </a:xfrm>
-          <a:prstGeom prst="rect">
-            <a:avLst/>
-          </a:prstGeom>
-          <a:solidFill>
-            <a:schemeClr val="bg1"/>
-          </a:solidFill>
-          <a:ln>
-            <a:solidFill>
-              <a:schemeClr val="bg1"/>
-            </a:solidFill>
-          </a:ln>
-        </p:spPr>
-        <p:style>
-          <a:lnRef idx="2">
-            <a:schemeClr val="accent1">
-              <a:shade val="50000"/>
-            </a:schemeClr>
-          </a:lnRef>
-          <a:fillRef idx="1">
-            <a:schemeClr val="accent1"/>
-          </a:fillRef>
-          <a:effectRef idx="0">
-            <a:schemeClr val="accent1"/>
-          </a:effectRef>
-          <a:fontRef idx="minor">
-            <a:schemeClr val="lt1"/>
-          </a:fontRef>
-        </p:style>
-        <p:txBody>
-          <a:bodyPr rtlCol="0" anchor="ctr"/>
-          <a:lstStyle/>
-          <a:p>
-            <a:pPr algn="ctr"/>
-            <a:endParaRPr lang="en-US"/>
-          </a:p>
-        </p:txBody>
-      </p:sp>
-      <p:sp>
-        <p:nvSpPr>
-          <p:cNvPr id="9" name="Rectangle 8">
-            <a:extLst>
-              <a:ext uri="{FF2B5EF4-FFF2-40B4-BE49-F238E27FC236}">
-                <a16:creationId xmlns:a16="http://schemas.microsoft.com/office/drawing/2014/main" id="{D0FE678D-D40E-40CF-83C2-42357A1B909A}"/>
-              </a:ext>
-            </a:extLst>
-          </p:cNvPr>
-          <p:cNvSpPr/>
-          <p:nvPr/>
-        </p:nvSpPr>
-        <p:spPr>
-          <a:xfrm>
-            <a:off x="5834041" y="5184563"/>
-            <a:ext cx="433526" cy="266331"/>
-          </a:xfrm>
-          <a:prstGeom prst="rect">
-            <a:avLst/>
-          </a:prstGeom>
-          <a:solidFill>
-            <a:schemeClr val="bg1"/>
-          </a:solidFill>
-          <a:ln>
-            <a:solidFill>
-              <a:schemeClr val="bg1"/>
-            </a:solidFill>
-          </a:ln>
-        </p:spPr>
-        <p:style>
-          <a:lnRef idx="2">
-            <a:schemeClr val="accent1">
-              <a:shade val="50000"/>
-            </a:schemeClr>
-          </a:lnRef>
-          <a:fillRef idx="1">
-            <a:schemeClr val="accent1"/>
-          </a:fillRef>
-          <a:effectRef idx="0">
-            <a:schemeClr val="accent1"/>
-          </a:effectRef>
-          <a:fontRef idx="minor">
-            <a:schemeClr val="lt1"/>
-          </a:fontRef>
-        </p:style>
-        <p:txBody>
-          <a:bodyPr rtlCol="0" anchor="ctr"/>
-          <a:lstStyle/>
-          <a:p>
-            <a:pPr algn="ctr"/>
-            <a:endParaRPr lang="en-US"/>
-          </a:p>
-        </p:txBody>
-      </p:sp>
-      <p:sp>
-        <p:nvSpPr>
-          <p:cNvPr id="10" name="Rectangle 9">
-            <a:extLst>
-              <a:ext uri="{FF2B5EF4-FFF2-40B4-BE49-F238E27FC236}">
-                <a16:creationId xmlns:a16="http://schemas.microsoft.com/office/drawing/2014/main" id="{FA346FCA-21D6-495A-8237-AF590F0E0416}"/>
-              </a:ext>
-            </a:extLst>
-          </p:cNvPr>
-          <p:cNvSpPr/>
-          <p:nvPr/>
-        </p:nvSpPr>
-        <p:spPr>
-          <a:xfrm>
-            <a:off x="4893077" y="5504163"/>
-            <a:ext cx="433526" cy="233900"/>
-          </a:xfrm>
-          <a:prstGeom prst="rect">
-            <a:avLst/>
-          </a:prstGeom>
-          <a:solidFill>
-            <a:schemeClr val="bg1"/>
-          </a:solidFill>
-          <a:ln>
-            <a:solidFill>
-              <a:schemeClr val="bg1"/>
-            </a:solidFill>
-          </a:ln>
-        </p:spPr>
-        <p:style>
-          <a:lnRef idx="2">
-            <a:schemeClr val="accent1">
-              <a:shade val="50000"/>
-            </a:schemeClr>
-          </a:lnRef>
-          <a:fillRef idx="1">
-            <a:schemeClr val="accent1"/>
-          </a:fillRef>
-          <a:effectRef idx="0">
-            <a:schemeClr val="accent1"/>
-          </a:effectRef>
-          <a:fontRef idx="minor">
-            <a:schemeClr val="lt1"/>
-          </a:fontRef>
-        </p:style>
-        <p:txBody>
-          <a:bodyPr rtlCol="0" anchor="ctr"/>
-          <a:lstStyle/>
-          <a:p>
-            <a:pPr algn="ctr"/>
-            <a:endParaRPr lang="en-US"/>
-          </a:p>
-        </p:txBody>
-      </p:sp>
-      <p:sp>
-        <p:nvSpPr>
-          <p:cNvPr id="11" name="Rectangle 10">
-            <a:extLst>
-              <a:ext uri="{FF2B5EF4-FFF2-40B4-BE49-F238E27FC236}">
-                <a16:creationId xmlns:a16="http://schemas.microsoft.com/office/drawing/2014/main" id="{3A046B4D-AAF7-4DA2-BBF8-A58B5832E0E3}"/>
-              </a:ext>
-            </a:extLst>
-          </p:cNvPr>
-          <p:cNvSpPr/>
-          <p:nvPr/>
-        </p:nvSpPr>
-        <p:spPr>
-          <a:xfrm>
-            <a:off x="5871706" y="5489368"/>
-            <a:ext cx="433526" cy="266331"/>
-          </a:xfrm>
-          <a:prstGeom prst="rect">
-            <a:avLst/>
-          </a:prstGeom>
-          <a:solidFill>
-            <a:schemeClr val="bg1"/>
-          </a:solidFill>
-          <a:ln>
-            <a:solidFill>
-              <a:schemeClr val="bg1"/>
-            </a:solidFill>
-          </a:ln>
-        </p:spPr>
-        <p:style>
-          <a:lnRef idx="2">
-            <a:schemeClr val="accent1">
-              <a:shade val="50000"/>
-            </a:schemeClr>
-          </a:lnRef>
-          <a:fillRef idx="1">
-            <a:schemeClr val="accent1"/>
-          </a:fillRef>
-          <a:effectRef idx="0">
-            <a:schemeClr val="accent1"/>
-          </a:effectRef>
-          <a:fontRef idx="minor">
-            <a:schemeClr val="lt1"/>
-          </a:fontRef>
-        </p:style>
-        <p:txBody>
-          <a:bodyPr rtlCol="0" anchor="ctr"/>
-          <a:lstStyle/>
-          <a:p>
-            <a:pPr algn="ctr"/>
-            <a:endParaRPr lang="en-US"/>
-          </a:p>
-        </p:txBody>
-      </p:sp>
-      <p:sp>
-        <p:nvSpPr>
-          <p:cNvPr id="12" name="Rectangle 11">
-            <a:extLst>
-              <a:ext uri="{FF2B5EF4-FFF2-40B4-BE49-F238E27FC236}">
-                <a16:creationId xmlns:a16="http://schemas.microsoft.com/office/drawing/2014/main" id="{CC5C4F75-C478-4D5C-9371-58E0FD2529F3}"/>
-              </a:ext>
-            </a:extLst>
-          </p:cNvPr>
-          <p:cNvSpPr/>
-          <p:nvPr/>
-        </p:nvSpPr>
-        <p:spPr>
-          <a:xfrm>
-            <a:off x="7460203" y="5495285"/>
-            <a:ext cx="433526" cy="266331"/>
-          </a:xfrm>
-          <a:prstGeom prst="rect">
-            <a:avLst/>
-          </a:prstGeom>
-          <a:solidFill>
-            <a:schemeClr val="bg1"/>
-          </a:solidFill>
-          <a:ln>
-            <a:solidFill>
-              <a:schemeClr val="bg1"/>
-            </a:solidFill>
-          </a:ln>
-        </p:spPr>
-        <p:style>
-          <a:lnRef idx="2">
-            <a:schemeClr val="accent1">
-              <a:shade val="50000"/>
-            </a:schemeClr>
-          </a:lnRef>
-          <a:fillRef idx="1">
-            <a:schemeClr val="accent1"/>
-          </a:fillRef>
-          <a:effectRef idx="0">
-            <a:schemeClr val="accent1"/>
-          </a:effectRef>
-          <a:fontRef idx="minor">
-            <a:schemeClr val="lt1"/>
-          </a:fontRef>
-        </p:style>
-        <p:txBody>
-          <a:bodyPr rtlCol="0" anchor="ctr"/>
-          <a:lstStyle/>
-          <a:p>
-            <a:pPr algn="ctr"/>
-            <a:endParaRPr lang="en-US"/>
-          </a:p>
-        </p:txBody>
-      </p:sp>
-      <p:sp>
-        <p:nvSpPr>
-          <p:cNvPr id="13" name="Rectangle 12">
-            <a:extLst>
-              <a:ext uri="{FF2B5EF4-FFF2-40B4-BE49-F238E27FC236}">
-                <a16:creationId xmlns:a16="http://schemas.microsoft.com/office/drawing/2014/main" id="{2BBE8D50-AE35-4BC3-8861-657847901AF4}"/>
-              </a:ext>
-            </a:extLst>
-          </p:cNvPr>
-          <p:cNvSpPr/>
-          <p:nvPr/>
-        </p:nvSpPr>
-        <p:spPr>
-          <a:xfrm>
-            <a:off x="7535524" y="5822280"/>
-            <a:ext cx="433526" cy="266331"/>
-          </a:xfrm>
-          <a:prstGeom prst="rect">
-            <a:avLst/>
-          </a:prstGeom>
-          <a:solidFill>
-            <a:schemeClr val="bg1"/>
-          </a:solidFill>
-          <a:ln>
-            <a:solidFill>
-              <a:schemeClr val="bg1"/>
-            </a:solidFill>
-          </a:ln>
-        </p:spPr>
-        <p:style>
-          <a:lnRef idx="2">
-            <a:schemeClr val="accent1">
-              <a:shade val="50000"/>
-            </a:schemeClr>
-          </a:lnRef>
-          <a:fillRef idx="1">
-            <a:schemeClr val="accent1"/>
-          </a:fillRef>
-          <a:effectRef idx="0">
-            <a:schemeClr val="accent1"/>
-          </a:effectRef>
-          <a:fontRef idx="minor">
-            <a:schemeClr val="lt1"/>
-          </a:fontRef>
-        </p:style>
-        <p:txBody>
-          <a:bodyPr rtlCol="0" anchor="ctr"/>
-          <a:lstStyle/>
-          <a:p>
-            <a:pPr algn="ctr"/>
-            <a:endParaRPr lang="en-US"/>
-          </a:p>
-        </p:txBody>
-      </p:sp>
-      <p:sp>
-        <p:nvSpPr>
-          <p:cNvPr id="14" name="Rectangle 13">
-            <a:extLst>
-              <a:ext uri="{FF2B5EF4-FFF2-40B4-BE49-F238E27FC236}">
-                <a16:creationId xmlns:a16="http://schemas.microsoft.com/office/drawing/2014/main" id="{DE74EA0A-35F4-4036-940C-2C035225FC7D}"/>
-              </a:ext>
-            </a:extLst>
-          </p:cNvPr>
-          <p:cNvSpPr/>
-          <p:nvPr/>
-        </p:nvSpPr>
-        <p:spPr>
-          <a:xfrm>
-            <a:off x="5970838" y="5810449"/>
-            <a:ext cx="433526" cy="266331"/>
-          </a:xfrm>
-          <a:prstGeom prst="rect">
-            <a:avLst/>
-          </a:prstGeom>
-          <a:solidFill>
-            <a:schemeClr val="bg1"/>
-          </a:solidFill>
-          <a:ln>
-            <a:solidFill>
-              <a:schemeClr val="bg1"/>
-            </a:solidFill>
-          </a:ln>
-        </p:spPr>
-        <p:style>
-          <a:lnRef idx="2">
-            <a:schemeClr val="accent1">
-              <a:shade val="50000"/>
-            </a:schemeClr>
-          </a:lnRef>
-          <a:fillRef idx="1">
-            <a:schemeClr val="accent1"/>
-          </a:fillRef>
-          <a:effectRef idx="0">
-            <a:schemeClr val="accent1"/>
-          </a:effectRef>
-          <a:fontRef idx="minor">
-            <a:schemeClr val="lt1"/>
-          </a:fontRef>
-        </p:style>
-        <p:txBody>
-          <a:bodyPr rtlCol="0" anchor="ctr"/>
-          <a:lstStyle/>
-          <a:p>
-            <a:pPr algn="ctr"/>
-            <a:endParaRPr lang="en-US"/>
-          </a:p>
-        </p:txBody>
-      </p:sp>
-      <p:sp>
-        <p:nvSpPr>
-          <p:cNvPr id="15" name="Rectangle 14">
-            <a:extLst>
-              <a:ext uri="{FF2B5EF4-FFF2-40B4-BE49-F238E27FC236}">
-                <a16:creationId xmlns:a16="http://schemas.microsoft.com/office/drawing/2014/main" id="{B06B88A8-D534-41E8-9CBA-6B727F100B53}"/>
-              </a:ext>
-            </a:extLst>
-          </p:cNvPr>
-          <p:cNvSpPr/>
-          <p:nvPr/>
-        </p:nvSpPr>
-        <p:spPr>
-          <a:xfrm>
-            <a:off x="4870017" y="5810450"/>
-            <a:ext cx="433526" cy="266331"/>
-          </a:xfrm>
-          <a:prstGeom prst="rect">
-            <a:avLst/>
-          </a:prstGeom>
-          <a:solidFill>
-            <a:schemeClr val="bg1"/>
-          </a:solidFill>
-          <a:ln>
-            <a:solidFill>
-              <a:schemeClr val="bg1"/>
-            </a:solidFill>
-          </a:ln>
-        </p:spPr>
-        <p:style>
-          <a:lnRef idx="2">
-            <a:schemeClr val="accent1">
-              <a:shade val="50000"/>
-            </a:schemeClr>
-          </a:lnRef>
-          <a:fillRef idx="1">
-            <a:schemeClr val="accent1"/>
-          </a:fillRef>
-          <a:effectRef idx="0">
-            <a:schemeClr val="accent1"/>
-          </a:effectRef>
-          <a:fontRef idx="minor">
-            <a:schemeClr val="lt1"/>
-          </a:fontRef>
-        </p:style>
-        <p:txBody>
-          <a:bodyPr rtlCol="0" anchor="ctr"/>
-          <a:lstStyle/>
-          <a:p>
-            <a:pPr algn="ctr"/>
-            <a:endParaRPr lang="en-US"/>
-          </a:p>
-        </p:txBody>
-      </p:sp>
-      <p:sp>
-        <p:nvSpPr>
-          <p:cNvPr id="16" name="Rectangle 15">
-            <a:extLst>
-              <a:ext uri="{FF2B5EF4-FFF2-40B4-BE49-F238E27FC236}">
-                <a16:creationId xmlns:a16="http://schemas.microsoft.com/office/drawing/2014/main" id="{BD506ADA-1C16-4573-B13D-A904F9C958D0}"/>
-              </a:ext>
-            </a:extLst>
-          </p:cNvPr>
-          <p:cNvSpPr/>
-          <p:nvPr/>
-        </p:nvSpPr>
-        <p:spPr>
-          <a:xfrm>
-            <a:off x="2342368" y="1830279"/>
-            <a:ext cx="7290499" cy="797511"/>
-          </a:xfrm>
-          <a:prstGeom prst="rect">
-            <a:avLst/>
-          </a:prstGeom>
-          <a:solidFill>
-            <a:schemeClr val="bg1"/>
-          </a:solidFill>
-          <a:ln>
-            <a:solidFill>
-              <a:schemeClr val="bg1"/>
-            </a:solidFill>
-          </a:ln>
-        </p:spPr>
-        <p:style>
-          <a:lnRef idx="2">
-            <a:schemeClr val="accent1">
-              <a:shade val="50000"/>
-            </a:schemeClr>
-          </a:lnRef>
-          <a:fillRef idx="1">
-            <a:schemeClr val="accent1"/>
-          </a:fillRef>
-          <a:effectRef idx="0">
-            <a:schemeClr val="accent1"/>
-          </a:effectRef>
-          <a:fontRef idx="minor">
-            <a:schemeClr val="lt1"/>
-          </a:fontRef>
-        </p:style>
-        <p:txBody>
-          <a:bodyPr rtlCol="0" anchor="ctr"/>
-          <a:lstStyle/>
-          <a:p>
-            <a:pPr algn="ctr"/>
-            <a:endParaRPr lang="en-US"/>
-          </a:p>
-        </p:txBody>
-      </p:sp>
-      <p:sp>
-        <p:nvSpPr>
-          <p:cNvPr id="2" name="Footer Placeholder 1">
-            <a:extLst>
-              <a:ext uri="{FF2B5EF4-FFF2-40B4-BE49-F238E27FC236}">
-                <a16:creationId xmlns:a16="http://schemas.microsoft.com/office/drawing/2014/main" id="{F64E14E6-4F33-4AFE-BEBC-BAB574EE861A}"/>
-              </a:ext>
-            </a:extLst>
-          </p:cNvPr>
-          <p:cNvSpPr>
-            <a:spLocks noGrp="1"/>
-          </p:cNvSpPr>
-          <p:nvPr>
-            <p:ph type="ftr" sz="quarter" idx="11"/>
-          </p:nvPr>
-        </p:nvSpPr>
-        <p:spPr/>
-        <p:txBody>
-          <a:bodyPr/>
-          <a:lstStyle/>
-          <a:p>
-            <a:r>
-              <a:rPr lang="en-US"/>
-              <a:t>Dr. Nike Dattani, MATH 135, Fall 2021</a:t>
-            </a:r>
-            <a:endParaRPr lang="en-US" dirty="0"/>
-          </a:p>
-        </p:txBody>
-      </p:sp>
-      <p:sp>
-        <p:nvSpPr>
-          <p:cNvPr id="5" name="TextBox 4">
-            <a:extLst>
-              <a:ext uri="{FF2B5EF4-FFF2-40B4-BE49-F238E27FC236}">
-                <a16:creationId xmlns:a16="http://schemas.microsoft.com/office/drawing/2014/main" id="{98F48257-DAD2-454D-A172-3C23BF548E40}"/>
-              </a:ext>
-            </a:extLst>
-          </p:cNvPr>
-          <p:cNvSpPr txBox="1"/>
-          <p:nvPr/>
-        </p:nvSpPr>
-        <p:spPr>
-          <a:xfrm>
-            <a:off x="348776" y="628878"/>
-            <a:ext cx="11677649" cy="6494085"/>
-          </a:xfrm>
-          <a:prstGeom prst="rect">
-            <a:avLst/>
-          </a:prstGeom>
-          <a:noFill/>
-        </p:spPr>
-        <p:txBody>
-          <a:bodyPr wrap="square" rtlCol="0">
-            <a:spAutoFit/>
-          </a:bodyPr>
-          <a:lstStyle/>
-          <a:p>
-            <a:pPr marL="685800" indent="-685800">
-              <a:buFont typeface="Arial" panose="020B0604020202020204" pitchFamily="34" charset="0"/>
-              <a:buChar char="•"/>
-            </a:pPr>
-            <a:r>
-              <a:rPr lang="en-US" sz="5400" dirty="0"/>
-              <a:t>Converse</a:t>
-            </a:r>
-          </a:p>
-          <a:p>
-            <a:pPr marL="685800" indent="-685800">
-              <a:buFont typeface="Arial" panose="020B0604020202020204" pitchFamily="34" charset="0"/>
-              <a:buChar char="•"/>
-            </a:pPr>
-            <a:r>
-              <a:rPr lang="en-US" sz="5400" dirty="0"/>
-              <a:t>Contrapositive</a:t>
-            </a:r>
-          </a:p>
-          <a:p>
-            <a:pPr marL="685800" indent="-685800">
-              <a:buFont typeface="Arial" panose="020B0604020202020204" pitchFamily="34" charset="0"/>
-              <a:buChar char="•"/>
-            </a:pPr>
-            <a:r>
-              <a:rPr lang="en-US" sz="5400" dirty="0"/>
-              <a:t>Counter-example</a:t>
-            </a:r>
-          </a:p>
-          <a:p>
-            <a:pPr marL="685800" indent="-685800">
-              <a:buFont typeface="Arial" panose="020B0604020202020204" pitchFamily="34" charset="0"/>
-              <a:buChar char="•"/>
-            </a:pPr>
-            <a:r>
-              <a:rPr lang="en-US" sz="5400" dirty="0"/>
-              <a:t>Contradiction: </a:t>
-            </a:r>
-            <a:r>
-              <a:rPr lang="en-US" sz="5400" dirty="0">
-                <a:solidFill>
-                  <a:srgbClr val="3333FF"/>
-                </a:solidFill>
-              </a:rPr>
-              <a:t>( A ^ </a:t>
-            </a:r>
-            <a:r>
-              <a:rPr lang="en-US" sz="5400" baseline="30000" dirty="0">
-                <a:solidFill>
-                  <a:srgbClr val="3333FF"/>
-                </a:solidFill>
-              </a:rPr>
-              <a:t>¬</a:t>
-            </a:r>
-            <a:r>
-              <a:rPr lang="en-US" sz="5400" dirty="0">
-                <a:solidFill>
-                  <a:srgbClr val="3333FF"/>
-                </a:solidFill>
-              </a:rPr>
-              <a:t>A) is true </a:t>
-            </a:r>
-          </a:p>
-          <a:p>
-            <a:endParaRPr lang="en-US" sz="4000" dirty="0"/>
-          </a:p>
-          <a:p>
-            <a:pPr marL="342900" indent="-342900">
-              <a:buFont typeface="Arial" panose="020B0604020202020204" pitchFamily="34" charset="0"/>
-              <a:buChar char="•"/>
-            </a:pPr>
-            <a:endParaRPr lang="en-US" sz="4000" dirty="0"/>
-          </a:p>
-          <a:p>
-            <a:pPr marL="342900" indent="-342900">
-              <a:buFont typeface="Arial" panose="020B0604020202020204" pitchFamily="34" charset="0"/>
-              <a:buChar char="•"/>
-            </a:pPr>
-            <a:endParaRPr lang="en-US" sz="4000" dirty="0"/>
-          </a:p>
-          <a:p>
-            <a:endParaRPr lang="en-US" sz="4000" dirty="0"/>
-          </a:p>
-          <a:p>
-            <a:endParaRPr lang="en-US" sz="4000" dirty="0"/>
-          </a:p>
-        </p:txBody>
-      </p:sp>
-    </p:spTree>
-    <p:extLst>
-      <p:ext uri="{BB962C8B-B14F-4D97-AF65-F5344CB8AC3E}">
-        <p14:creationId xmlns:p14="http://schemas.microsoft.com/office/powerpoint/2010/main" val="970134826"/>
-      </p:ext>
-    </p:extLst>
-  </p:cSld>
-  <p:clrMapOvr>
-    <a:masterClrMapping/>
-  </p:clrMapOvr>
-</p:sld>
-</file>
-
-<file path=ppt/slides/slide12.xml><?xml version="1.0" encoding="utf-8"?>
-<p:sld xmlns:a="http://schemas.openxmlformats.org/drawingml/2006/main" xmlns:r="http://schemas.openxmlformats.org/officeDocument/2006/relationships" xmlns:p="http://schemas.openxmlformats.org/presentationml/2006/main">
-  <p:cSld>
-    <p:spTree>
-      <p:nvGrpSpPr>
-        <p:cNvPr id="1" name=""/>
-        <p:cNvGrpSpPr/>
-        <p:nvPr/>
-      </p:nvGrpSpPr>
-      <p:grpSpPr>
-        <a:xfrm>
-          <a:off x="0" y="0"/>
-          <a:ext cx="0" cy="0"/>
-          <a:chOff x="0" y="0"/>
-          <a:chExt cx="0" cy="0"/>
-        </a:xfrm>
-      </p:grpSpPr>
-      <p:sp>
-        <p:nvSpPr>
-          <p:cNvPr id="3" name="Rectangle 2">
-            <a:extLst>
-              <a:ext uri="{FF2B5EF4-FFF2-40B4-BE49-F238E27FC236}">
-                <a16:creationId xmlns:a16="http://schemas.microsoft.com/office/drawing/2014/main" id="{25C9728F-2044-42A6-9DD9-EA052EA5C07D}"/>
-              </a:ext>
-            </a:extLst>
-          </p:cNvPr>
-          <p:cNvSpPr/>
-          <p:nvPr/>
-        </p:nvSpPr>
-        <p:spPr>
-          <a:xfrm>
-            <a:off x="4893077" y="5184563"/>
-            <a:ext cx="433526" cy="266331"/>
-          </a:xfrm>
-          <a:prstGeom prst="rect">
-            <a:avLst/>
-          </a:prstGeom>
-          <a:solidFill>
-            <a:schemeClr val="bg1"/>
-          </a:solidFill>
-          <a:ln>
-            <a:solidFill>
-              <a:schemeClr val="bg1"/>
-            </a:solidFill>
-          </a:ln>
-        </p:spPr>
-        <p:style>
-          <a:lnRef idx="2">
-            <a:schemeClr val="accent1">
-              <a:shade val="50000"/>
-            </a:schemeClr>
-          </a:lnRef>
-          <a:fillRef idx="1">
-            <a:schemeClr val="accent1"/>
-          </a:fillRef>
-          <a:effectRef idx="0">
-            <a:schemeClr val="accent1"/>
-          </a:effectRef>
-          <a:fontRef idx="minor">
-            <a:schemeClr val="lt1"/>
-          </a:fontRef>
-        </p:style>
-        <p:txBody>
-          <a:bodyPr rtlCol="0" anchor="ctr"/>
-          <a:lstStyle/>
-          <a:p>
-            <a:pPr algn="ctr"/>
-            <a:endParaRPr lang="en-US"/>
-          </a:p>
-        </p:txBody>
-      </p:sp>
-      <p:sp>
-        <p:nvSpPr>
-          <p:cNvPr id="4" name="Rectangle 3">
-            <a:extLst>
-              <a:ext uri="{FF2B5EF4-FFF2-40B4-BE49-F238E27FC236}">
-                <a16:creationId xmlns:a16="http://schemas.microsoft.com/office/drawing/2014/main" id="{0F9594C5-155D-46B0-8861-CBC068AC1F66}"/>
-              </a:ext>
-            </a:extLst>
-          </p:cNvPr>
-          <p:cNvSpPr/>
-          <p:nvPr/>
-        </p:nvSpPr>
-        <p:spPr>
-          <a:xfrm>
-            <a:off x="7460203" y="4859045"/>
-            <a:ext cx="433526" cy="266331"/>
-          </a:xfrm>
-          <a:prstGeom prst="rect">
-            <a:avLst/>
-          </a:prstGeom>
-          <a:solidFill>
-            <a:schemeClr val="bg1"/>
-          </a:solidFill>
-          <a:ln>
-            <a:solidFill>
-              <a:schemeClr val="bg1"/>
-            </a:solidFill>
-          </a:ln>
-        </p:spPr>
-        <p:style>
-          <a:lnRef idx="2">
-            <a:schemeClr val="accent1">
-              <a:shade val="50000"/>
-            </a:schemeClr>
-          </a:lnRef>
-          <a:fillRef idx="1">
-            <a:schemeClr val="accent1"/>
-          </a:fillRef>
-          <a:effectRef idx="0">
-            <a:schemeClr val="accent1"/>
-          </a:effectRef>
-          <a:fontRef idx="minor">
-            <a:schemeClr val="lt1"/>
-          </a:fontRef>
-        </p:style>
-        <p:txBody>
-          <a:bodyPr rtlCol="0" anchor="ctr"/>
-          <a:lstStyle/>
-          <a:p>
-            <a:pPr algn="ctr"/>
-            <a:endParaRPr lang="en-US"/>
-          </a:p>
-        </p:txBody>
-      </p:sp>
-      <p:sp>
-        <p:nvSpPr>
-          <p:cNvPr id="6" name="Rectangle 5">
-            <a:extLst>
-              <a:ext uri="{FF2B5EF4-FFF2-40B4-BE49-F238E27FC236}">
-                <a16:creationId xmlns:a16="http://schemas.microsoft.com/office/drawing/2014/main" id="{3C8E3BA1-D526-4030-9953-9AC120817B0B}"/>
-              </a:ext>
-            </a:extLst>
-          </p:cNvPr>
-          <p:cNvSpPr/>
-          <p:nvPr/>
-        </p:nvSpPr>
-        <p:spPr>
-          <a:xfrm>
-            <a:off x="7535524" y="5177162"/>
-            <a:ext cx="433526" cy="266331"/>
-          </a:xfrm>
-          <a:prstGeom prst="rect">
-            <a:avLst/>
-          </a:prstGeom>
-          <a:solidFill>
-            <a:schemeClr val="bg1"/>
-          </a:solidFill>
-          <a:ln>
-            <a:solidFill>
-              <a:schemeClr val="bg1"/>
-            </a:solidFill>
-          </a:ln>
-        </p:spPr>
-        <p:style>
-          <a:lnRef idx="2">
-            <a:schemeClr val="accent1">
-              <a:shade val="50000"/>
-            </a:schemeClr>
-          </a:lnRef>
-          <a:fillRef idx="1">
-            <a:schemeClr val="accent1"/>
-          </a:fillRef>
-          <a:effectRef idx="0">
-            <a:schemeClr val="accent1"/>
-          </a:effectRef>
-          <a:fontRef idx="minor">
-            <a:schemeClr val="lt1"/>
-          </a:fontRef>
-        </p:style>
-        <p:txBody>
-          <a:bodyPr rtlCol="0" anchor="ctr"/>
-          <a:lstStyle/>
-          <a:p>
-            <a:pPr algn="ctr"/>
-            <a:endParaRPr lang="en-US"/>
-          </a:p>
-        </p:txBody>
-      </p:sp>
-      <p:sp>
-        <p:nvSpPr>
-          <p:cNvPr id="7" name="Rectangle 6">
-            <a:extLst>
-              <a:ext uri="{FF2B5EF4-FFF2-40B4-BE49-F238E27FC236}">
-                <a16:creationId xmlns:a16="http://schemas.microsoft.com/office/drawing/2014/main" id="{09D295C6-620C-4F29-B14B-1F4854583011}"/>
-              </a:ext>
-            </a:extLst>
-          </p:cNvPr>
-          <p:cNvSpPr/>
-          <p:nvPr/>
-        </p:nvSpPr>
-        <p:spPr>
-          <a:xfrm>
-            <a:off x="5871706" y="4866441"/>
-            <a:ext cx="433526" cy="266331"/>
-          </a:xfrm>
-          <a:prstGeom prst="rect">
-            <a:avLst/>
-          </a:prstGeom>
-          <a:solidFill>
-            <a:schemeClr val="bg1"/>
-          </a:solidFill>
-          <a:ln>
-            <a:solidFill>
-              <a:schemeClr val="bg1"/>
-            </a:solidFill>
-          </a:ln>
-        </p:spPr>
-        <p:style>
-          <a:lnRef idx="2">
-            <a:schemeClr val="accent1">
-              <a:shade val="50000"/>
-            </a:schemeClr>
-          </a:lnRef>
-          <a:fillRef idx="1">
-            <a:schemeClr val="accent1"/>
-          </a:fillRef>
-          <a:effectRef idx="0">
-            <a:schemeClr val="accent1"/>
-          </a:effectRef>
-          <a:fontRef idx="minor">
-            <a:schemeClr val="lt1"/>
-          </a:fontRef>
-        </p:style>
-        <p:txBody>
-          <a:bodyPr rtlCol="0" anchor="ctr"/>
-          <a:lstStyle/>
-          <a:p>
-            <a:pPr algn="ctr"/>
-            <a:endParaRPr lang="en-US"/>
-          </a:p>
-        </p:txBody>
-      </p:sp>
-      <p:sp>
-        <p:nvSpPr>
-          <p:cNvPr id="8" name="Rectangle 7">
-            <a:extLst>
-              <a:ext uri="{FF2B5EF4-FFF2-40B4-BE49-F238E27FC236}">
-                <a16:creationId xmlns:a16="http://schemas.microsoft.com/office/drawing/2014/main" id="{87FC4ED4-8B17-43EE-A03F-D392E2A8FCE7}"/>
-              </a:ext>
-            </a:extLst>
-          </p:cNvPr>
-          <p:cNvSpPr/>
-          <p:nvPr/>
-        </p:nvSpPr>
-        <p:spPr>
-          <a:xfrm>
-            <a:off x="4893077" y="4856085"/>
-            <a:ext cx="433526" cy="266331"/>
-          </a:xfrm>
-          <a:prstGeom prst="rect">
-            <a:avLst/>
-          </a:prstGeom>
-          <a:solidFill>
-            <a:schemeClr val="bg1"/>
-          </a:solidFill>
-          <a:ln>
-            <a:solidFill>
-              <a:schemeClr val="bg1"/>
-            </a:solidFill>
-          </a:ln>
-        </p:spPr>
-        <p:style>
-          <a:lnRef idx="2">
-            <a:schemeClr val="accent1">
-              <a:shade val="50000"/>
-            </a:schemeClr>
-          </a:lnRef>
-          <a:fillRef idx="1">
-            <a:schemeClr val="accent1"/>
-          </a:fillRef>
-          <a:effectRef idx="0">
-            <a:schemeClr val="accent1"/>
-          </a:effectRef>
-          <a:fontRef idx="minor">
-            <a:schemeClr val="lt1"/>
-          </a:fontRef>
-        </p:style>
-        <p:txBody>
-          <a:bodyPr rtlCol="0" anchor="ctr"/>
-          <a:lstStyle/>
-          <a:p>
-            <a:pPr algn="ctr"/>
-            <a:endParaRPr lang="en-US"/>
-          </a:p>
-        </p:txBody>
-      </p:sp>
-      <p:sp>
-        <p:nvSpPr>
-          <p:cNvPr id="9" name="Rectangle 8">
-            <a:extLst>
-              <a:ext uri="{FF2B5EF4-FFF2-40B4-BE49-F238E27FC236}">
-                <a16:creationId xmlns:a16="http://schemas.microsoft.com/office/drawing/2014/main" id="{D0FE678D-D40E-40CF-83C2-42357A1B909A}"/>
-              </a:ext>
-            </a:extLst>
-          </p:cNvPr>
-          <p:cNvSpPr/>
-          <p:nvPr/>
-        </p:nvSpPr>
-        <p:spPr>
-          <a:xfrm>
-            <a:off x="5834041" y="5184563"/>
-            <a:ext cx="433526" cy="266331"/>
-          </a:xfrm>
-          <a:prstGeom prst="rect">
-            <a:avLst/>
-          </a:prstGeom>
-          <a:solidFill>
-            <a:schemeClr val="bg1"/>
-          </a:solidFill>
-          <a:ln>
-            <a:solidFill>
-              <a:schemeClr val="bg1"/>
-            </a:solidFill>
-          </a:ln>
-        </p:spPr>
-        <p:style>
-          <a:lnRef idx="2">
-            <a:schemeClr val="accent1">
-              <a:shade val="50000"/>
-            </a:schemeClr>
-          </a:lnRef>
-          <a:fillRef idx="1">
-            <a:schemeClr val="accent1"/>
-          </a:fillRef>
-          <a:effectRef idx="0">
-            <a:schemeClr val="accent1"/>
-          </a:effectRef>
-          <a:fontRef idx="minor">
-            <a:schemeClr val="lt1"/>
-          </a:fontRef>
-        </p:style>
-        <p:txBody>
-          <a:bodyPr rtlCol="0" anchor="ctr"/>
-          <a:lstStyle/>
-          <a:p>
-            <a:pPr algn="ctr"/>
-            <a:endParaRPr lang="en-US"/>
-          </a:p>
-        </p:txBody>
-      </p:sp>
-      <p:sp>
-        <p:nvSpPr>
-          <p:cNvPr id="10" name="Rectangle 9">
-            <a:extLst>
-              <a:ext uri="{FF2B5EF4-FFF2-40B4-BE49-F238E27FC236}">
-                <a16:creationId xmlns:a16="http://schemas.microsoft.com/office/drawing/2014/main" id="{FA346FCA-21D6-495A-8237-AF590F0E0416}"/>
-              </a:ext>
-            </a:extLst>
-          </p:cNvPr>
-          <p:cNvSpPr/>
-          <p:nvPr/>
-        </p:nvSpPr>
-        <p:spPr>
-          <a:xfrm>
-            <a:off x="4893077" y="5504163"/>
-            <a:ext cx="433526" cy="233900"/>
-          </a:xfrm>
-          <a:prstGeom prst="rect">
-            <a:avLst/>
-          </a:prstGeom>
-          <a:solidFill>
-            <a:schemeClr val="bg1"/>
-          </a:solidFill>
-          <a:ln>
-            <a:solidFill>
-              <a:schemeClr val="bg1"/>
-            </a:solidFill>
-          </a:ln>
-        </p:spPr>
-        <p:style>
-          <a:lnRef idx="2">
-            <a:schemeClr val="accent1">
-              <a:shade val="50000"/>
-            </a:schemeClr>
-          </a:lnRef>
-          <a:fillRef idx="1">
-            <a:schemeClr val="accent1"/>
-          </a:fillRef>
-          <a:effectRef idx="0">
-            <a:schemeClr val="accent1"/>
-          </a:effectRef>
-          <a:fontRef idx="minor">
-            <a:schemeClr val="lt1"/>
-          </a:fontRef>
-        </p:style>
-        <p:txBody>
-          <a:bodyPr rtlCol="0" anchor="ctr"/>
-          <a:lstStyle/>
-          <a:p>
-            <a:pPr algn="ctr"/>
-            <a:endParaRPr lang="en-US"/>
-          </a:p>
-        </p:txBody>
-      </p:sp>
-      <p:sp>
-        <p:nvSpPr>
-          <p:cNvPr id="11" name="Rectangle 10">
-            <a:extLst>
-              <a:ext uri="{FF2B5EF4-FFF2-40B4-BE49-F238E27FC236}">
-                <a16:creationId xmlns:a16="http://schemas.microsoft.com/office/drawing/2014/main" id="{3A046B4D-AAF7-4DA2-BBF8-A58B5832E0E3}"/>
-              </a:ext>
-            </a:extLst>
-          </p:cNvPr>
-          <p:cNvSpPr/>
-          <p:nvPr/>
-        </p:nvSpPr>
-        <p:spPr>
-          <a:xfrm>
-            <a:off x="5871706" y="5489368"/>
-            <a:ext cx="433526" cy="266331"/>
-          </a:xfrm>
-          <a:prstGeom prst="rect">
-            <a:avLst/>
-          </a:prstGeom>
-          <a:solidFill>
-            <a:schemeClr val="bg1"/>
-          </a:solidFill>
-          <a:ln>
-            <a:solidFill>
-              <a:schemeClr val="bg1"/>
-            </a:solidFill>
-          </a:ln>
-        </p:spPr>
-        <p:style>
-          <a:lnRef idx="2">
-            <a:schemeClr val="accent1">
-              <a:shade val="50000"/>
-            </a:schemeClr>
-          </a:lnRef>
-          <a:fillRef idx="1">
-            <a:schemeClr val="accent1"/>
-          </a:fillRef>
-          <a:effectRef idx="0">
-            <a:schemeClr val="accent1"/>
-          </a:effectRef>
-          <a:fontRef idx="minor">
-            <a:schemeClr val="lt1"/>
-          </a:fontRef>
-        </p:style>
-        <p:txBody>
-          <a:bodyPr rtlCol="0" anchor="ctr"/>
-          <a:lstStyle/>
-          <a:p>
-            <a:pPr algn="ctr"/>
-            <a:endParaRPr lang="en-US"/>
-          </a:p>
-        </p:txBody>
-      </p:sp>
-      <p:sp>
-        <p:nvSpPr>
-          <p:cNvPr id="12" name="Rectangle 11">
-            <a:extLst>
-              <a:ext uri="{FF2B5EF4-FFF2-40B4-BE49-F238E27FC236}">
-                <a16:creationId xmlns:a16="http://schemas.microsoft.com/office/drawing/2014/main" id="{CC5C4F75-C478-4D5C-9371-58E0FD2529F3}"/>
-              </a:ext>
-            </a:extLst>
-          </p:cNvPr>
-          <p:cNvSpPr/>
-          <p:nvPr/>
-        </p:nvSpPr>
-        <p:spPr>
-          <a:xfrm>
-            <a:off x="7460203" y="5495285"/>
-            <a:ext cx="433526" cy="266331"/>
-          </a:xfrm>
-          <a:prstGeom prst="rect">
-            <a:avLst/>
-          </a:prstGeom>
-          <a:solidFill>
-            <a:schemeClr val="bg1"/>
-          </a:solidFill>
-          <a:ln>
-            <a:solidFill>
-              <a:schemeClr val="bg1"/>
-            </a:solidFill>
-          </a:ln>
-        </p:spPr>
-        <p:style>
-          <a:lnRef idx="2">
-            <a:schemeClr val="accent1">
-              <a:shade val="50000"/>
-            </a:schemeClr>
-          </a:lnRef>
-          <a:fillRef idx="1">
-            <a:schemeClr val="accent1"/>
-          </a:fillRef>
-          <a:effectRef idx="0">
-            <a:schemeClr val="accent1"/>
-          </a:effectRef>
-          <a:fontRef idx="minor">
-            <a:schemeClr val="lt1"/>
-          </a:fontRef>
-        </p:style>
-        <p:txBody>
-          <a:bodyPr rtlCol="0" anchor="ctr"/>
-          <a:lstStyle/>
-          <a:p>
-            <a:pPr algn="ctr"/>
-            <a:endParaRPr lang="en-US"/>
-          </a:p>
-        </p:txBody>
-      </p:sp>
-      <p:sp>
-        <p:nvSpPr>
-          <p:cNvPr id="13" name="Rectangle 12">
-            <a:extLst>
-              <a:ext uri="{FF2B5EF4-FFF2-40B4-BE49-F238E27FC236}">
-                <a16:creationId xmlns:a16="http://schemas.microsoft.com/office/drawing/2014/main" id="{2BBE8D50-AE35-4BC3-8861-657847901AF4}"/>
-              </a:ext>
-            </a:extLst>
-          </p:cNvPr>
-          <p:cNvSpPr/>
-          <p:nvPr/>
-        </p:nvSpPr>
-        <p:spPr>
-          <a:xfrm>
-            <a:off x="7535524" y="5822280"/>
-            <a:ext cx="433526" cy="266331"/>
-          </a:xfrm>
-          <a:prstGeom prst="rect">
-            <a:avLst/>
-          </a:prstGeom>
-          <a:solidFill>
-            <a:schemeClr val="bg1"/>
-          </a:solidFill>
-          <a:ln>
-            <a:solidFill>
-              <a:schemeClr val="bg1"/>
-            </a:solidFill>
-          </a:ln>
-        </p:spPr>
-        <p:style>
-          <a:lnRef idx="2">
-            <a:schemeClr val="accent1">
-              <a:shade val="50000"/>
-            </a:schemeClr>
-          </a:lnRef>
-          <a:fillRef idx="1">
-            <a:schemeClr val="accent1"/>
-          </a:fillRef>
-          <a:effectRef idx="0">
-            <a:schemeClr val="accent1"/>
-          </a:effectRef>
-          <a:fontRef idx="minor">
-            <a:schemeClr val="lt1"/>
-          </a:fontRef>
-        </p:style>
-        <p:txBody>
-          <a:bodyPr rtlCol="0" anchor="ctr"/>
-          <a:lstStyle/>
-          <a:p>
-            <a:pPr algn="ctr"/>
-            <a:endParaRPr lang="en-US"/>
-          </a:p>
-        </p:txBody>
-      </p:sp>
-      <p:sp>
-        <p:nvSpPr>
-          <p:cNvPr id="14" name="Rectangle 13">
-            <a:extLst>
-              <a:ext uri="{FF2B5EF4-FFF2-40B4-BE49-F238E27FC236}">
-                <a16:creationId xmlns:a16="http://schemas.microsoft.com/office/drawing/2014/main" id="{DE74EA0A-35F4-4036-940C-2C035225FC7D}"/>
-              </a:ext>
-            </a:extLst>
-          </p:cNvPr>
-          <p:cNvSpPr/>
-          <p:nvPr/>
-        </p:nvSpPr>
-        <p:spPr>
-          <a:xfrm>
-            <a:off x="5970838" y="5810449"/>
-            <a:ext cx="433526" cy="266331"/>
-          </a:xfrm>
-          <a:prstGeom prst="rect">
-            <a:avLst/>
-          </a:prstGeom>
-          <a:solidFill>
-            <a:schemeClr val="bg1"/>
-          </a:solidFill>
-          <a:ln>
-            <a:solidFill>
-              <a:schemeClr val="bg1"/>
-            </a:solidFill>
-          </a:ln>
-        </p:spPr>
-        <p:style>
-          <a:lnRef idx="2">
-            <a:schemeClr val="accent1">
-              <a:shade val="50000"/>
-            </a:schemeClr>
-          </a:lnRef>
-          <a:fillRef idx="1">
-            <a:schemeClr val="accent1"/>
-          </a:fillRef>
-          <a:effectRef idx="0">
-            <a:schemeClr val="accent1"/>
-          </a:effectRef>
-          <a:fontRef idx="minor">
-            <a:schemeClr val="lt1"/>
-          </a:fontRef>
-        </p:style>
-        <p:txBody>
-          <a:bodyPr rtlCol="0" anchor="ctr"/>
-          <a:lstStyle/>
-          <a:p>
-            <a:pPr algn="ctr"/>
-            <a:endParaRPr lang="en-US"/>
-          </a:p>
-        </p:txBody>
-      </p:sp>
-      <p:sp>
-        <p:nvSpPr>
-          <p:cNvPr id="15" name="Rectangle 14">
-            <a:extLst>
-              <a:ext uri="{FF2B5EF4-FFF2-40B4-BE49-F238E27FC236}">
-                <a16:creationId xmlns:a16="http://schemas.microsoft.com/office/drawing/2014/main" id="{B06B88A8-D534-41E8-9CBA-6B727F100B53}"/>
-              </a:ext>
-            </a:extLst>
-          </p:cNvPr>
-          <p:cNvSpPr/>
-          <p:nvPr/>
-        </p:nvSpPr>
-        <p:spPr>
-          <a:xfrm>
-            <a:off x="4870017" y="5810450"/>
-            <a:ext cx="433526" cy="266331"/>
-          </a:xfrm>
-          <a:prstGeom prst="rect">
-            <a:avLst/>
-          </a:prstGeom>
-          <a:solidFill>
-            <a:schemeClr val="bg1"/>
-          </a:solidFill>
-          <a:ln>
-            <a:solidFill>
-              <a:schemeClr val="bg1"/>
-            </a:solidFill>
-          </a:ln>
-        </p:spPr>
-        <p:style>
-          <a:lnRef idx="2">
-            <a:schemeClr val="accent1">
-              <a:shade val="50000"/>
-            </a:schemeClr>
-          </a:lnRef>
-          <a:fillRef idx="1">
-            <a:schemeClr val="accent1"/>
-          </a:fillRef>
-          <a:effectRef idx="0">
-            <a:schemeClr val="accent1"/>
-          </a:effectRef>
-          <a:fontRef idx="minor">
-            <a:schemeClr val="lt1"/>
-          </a:fontRef>
-        </p:style>
-        <p:txBody>
-          <a:bodyPr rtlCol="0" anchor="ctr"/>
-          <a:lstStyle/>
-          <a:p>
-            <a:pPr algn="ctr"/>
-            <a:endParaRPr lang="en-US"/>
-          </a:p>
-        </p:txBody>
-      </p:sp>
-      <p:sp>
-        <p:nvSpPr>
-          <p:cNvPr id="16" name="Rectangle 15">
-            <a:extLst>
-              <a:ext uri="{FF2B5EF4-FFF2-40B4-BE49-F238E27FC236}">
-                <a16:creationId xmlns:a16="http://schemas.microsoft.com/office/drawing/2014/main" id="{BD506ADA-1C16-4573-B13D-A904F9C958D0}"/>
-              </a:ext>
-            </a:extLst>
-          </p:cNvPr>
-          <p:cNvSpPr/>
-          <p:nvPr/>
-        </p:nvSpPr>
-        <p:spPr>
-          <a:xfrm>
-            <a:off x="2342368" y="1830279"/>
-            <a:ext cx="7290499" cy="797511"/>
-          </a:xfrm>
-          <a:prstGeom prst="rect">
-            <a:avLst/>
-          </a:prstGeom>
-          <a:solidFill>
-            <a:schemeClr val="bg1"/>
-          </a:solidFill>
-          <a:ln>
-            <a:solidFill>
-              <a:schemeClr val="bg1"/>
-            </a:solidFill>
-          </a:ln>
-        </p:spPr>
-        <p:style>
-          <a:lnRef idx="2">
-            <a:schemeClr val="accent1">
-              <a:shade val="50000"/>
-            </a:schemeClr>
-          </a:lnRef>
-          <a:fillRef idx="1">
-            <a:schemeClr val="accent1"/>
-          </a:fillRef>
-          <a:effectRef idx="0">
-            <a:schemeClr val="accent1"/>
-          </a:effectRef>
-          <a:fontRef idx="minor">
-            <a:schemeClr val="lt1"/>
-          </a:fontRef>
-        </p:style>
-        <p:txBody>
-          <a:bodyPr rtlCol="0" anchor="ctr"/>
-          <a:lstStyle/>
-          <a:p>
-            <a:pPr algn="ctr"/>
-            <a:endParaRPr lang="en-US"/>
-          </a:p>
-        </p:txBody>
-      </p:sp>
-      <p:sp>
-        <p:nvSpPr>
-          <p:cNvPr id="2" name="Footer Placeholder 1">
-            <a:extLst>
-              <a:ext uri="{FF2B5EF4-FFF2-40B4-BE49-F238E27FC236}">
-                <a16:creationId xmlns:a16="http://schemas.microsoft.com/office/drawing/2014/main" id="{F64E14E6-4F33-4AFE-BEBC-BAB574EE861A}"/>
-              </a:ext>
-            </a:extLst>
-          </p:cNvPr>
-          <p:cNvSpPr>
-            <a:spLocks noGrp="1"/>
-          </p:cNvSpPr>
-          <p:nvPr>
-            <p:ph type="ftr" sz="quarter" idx="11"/>
-          </p:nvPr>
-        </p:nvSpPr>
-        <p:spPr/>
-        <p:txBody>
-          <a:bodyPr/>
-          <a:lstStyle/>
-          <a:p>
-            <a:r>
-              <a:rPr lang="en-US"/>
-              <a:t>Dr. Nike Dattani, MATH 135, Fall 2021</a:t>
-            </a:r>
-            <a:endParaRPr lang="en-US" dirty="0"/>
-          </a:p>
-        </p:txBody>
-      </p:sp>
-      <p:sp>
-        <p:nvSpPr>
-          <p:cNvPr id="5" name="TextBox 4">
-            <a:extLst>
-              <a:ext uri="{FF2B5EF4-FFF2-40B4-BE49-F238E27FC236}">
-                <a16:creationId xmlns:a16="http://schemas.microsoft.com/office/drawing/2014/main" id="{98F48257-DAD2-454D-A172-3C23BF548E40}"/>
-              </a:ext>
-            </a:extLst>
-          </p:cNvPr>
-          <p:cNvSpPr txBox="1"/>
-          <p:nvPr/>
-        </p:nvSpPr>
-        <p:spPr>
-          <a:xfrm>
-            <a:off x="348776" y="628878"/>
-            <a:ext cx="11677649" cy="8987076"/>
-          </a:xfrm>
-          <a:prstGeom prst="rect">
-            <a:avLst/>
-          </a:prstGeom>
-          <a:noFill/>
-        </p:spPr>
-        <p:txBody>
-          <a:bodyPr wrap="square" rtlCol="0">
-            <a:spAutoFit/>
-          </a:bodyPr>
-          <a:lstStyle/>
-          <a:p>
-            <a:pPr marL="685800" indent="-685800">
-              <a:buFont typeface="Arial" panose="020B0604020202020204" pitchFamily="34" charset="0"/>
-              <a:buChar char="•"/>
-            </a:pPr>
-            <a:r>
-              <a:rPr lang="en-US" sz="5400" dirty="0"/>
-              <a:t>Converse</a:t>
-            </a:r>
-          </a:p>
-          <a:p>
-            <a:pPr marL="685800" indent="-685800">
-              <a:buFont typeface="Arial" panose="020B0604020202020204" pitchFamily="34" charset="0"/>
-              <a:buChar char="•"/>
-            </a:pPr>
-            <a:r>
-              <a:rPr lang="en-US" sz="5400" dirty="0"/>
-              <a:t>Contrapositive</a:t>
-            </a:r>
-          </a:p>
-          <a:p>
-            <a:pPr marL="685800" indent="-685800">
-              <a:buFont typeface="Arial" panose="020B0604020202020204" pitchFamily="34" charset="0"/>
-              <a:buChar char="•"/>
-            </a:pPr>
-            <a:r>
-              <a:rPr lang="en-US" sz="5400" dirty="0"/>
-              <a:t>Counter-example</a:t>
-            </a:r>
-          </a:p>
-          <a:p>
-            <a:pPr marL="685800" indent="-685800">
-              <a:buFont typeface="Arial" panose="020B0604020202020204" pitchFamily="34" charset="0"/>
-              <a:buChar char="•"/>
-            </a:pPr>
-            <a:r>
-              <a:rPr lang="en-US" sz="5400" dirty="0"/>
-              <a:t>Contradiction</a:t>
-            </a:r>
-          </a:p>
-          <a:p>
-            <a:pPr marL="685800" indent="-685800">
-              <a:buFont typeface="Arial" panose="020B0604020202020204" pitchFamily="34" charset="0"/>
-              <a:buChar char="•"/>
-            </a:pPr>
-            <a:r>
-              <a:rPr lang="en-US" sz="5400" dirty="0"/>
-              <a:t>Corollary</a:t>
-            </a:r>
-          </a:p>
-          <a:p>
-            <a:pPr marL="685800" indent="-685800">
-              <a:buFont typeface="Arial" panose="020B0604020202020204" pitchFamily="34" charset="0"/>
-              <a:buChar char="•"/>
-            </a:pPr>
-            <a:r>
-              <a:rPr lang="en-US" sz="5400" dirty="0"/>
-              <a:t>Conclusion</a:t>
-            </a:r>
-          </a:p>
-          <a:p>
-            <a:pPr marL="685800" indent="-685800">
-              <a:buFont typeface="Arial" panose="020B0604020202020204" pitchFamily="34" charset="0"/>
-              <a:buChar char="•"/>
-            </a:pPr>
-            <a:r>
-              <a:rPr lang="en-US" sz="5400" dirty="0"/>
-              <a:t>Combinations</a:t>
-            </a:r>
-          </a:p>
-          <a:p>
-            <a:endParaRPr lang="en-US" sz="4000" dirty="0"/>
-          </a:p>
-          <a:p>
-            <a:pPr marL="342900" indent="-342900">
-              <a:buFont typeface="Arial" panose="020B0604020202020204" pitchFamily="34" charset="0"/>
-              <a:buChar char="•"/>
-            </a:pPr>
-            <a:endParaRPr lang="en-US" sz="4000" dirty="0"/>
-          </a:p>
-          <a:p>
-            <a:pPr marL="342900" indent="-342900">
-              <a:buFont typeface="Arial" panose="020B0604020202020204" pitchFamily="34" charset="0"/>
-              <a:buChar char="•"/>
-            </a:pPr>
-            <a:endParaRPr lang="en-US" sz="4000" dirty="0"/>
-          </a:p>
-          <a:p>
-            <a:endParaRPr lang="en-US" sz="4000" dirty="0"/>
-          </a:p>
-          <a:p>
-            <a:endParaRPr lang="en-US" sz="4000" dirty="0"/>
-          </a:p>
-        </p:txBody>
-      </p:sp>
-    </p:spTree>
-    <p:extLst>
-      <p:ext uri="{BB962C8B-B14F-4D97-AF65-F5344CB8AC3E}">
-        <p14:creationId xmlns:p14="http://schemas.microsoft.com/office/powerpoint/2010/main" val="1857906471"/>
-      </p:ext>
-    </p:extLst>
-  </p:cSld>
-  <p:clrMapOvr>
-    <a:masterClrMapping/>
-  </p:clrMapOvr>
-</p:sld>
-</file>
-
-<file path=ppt/slides/slide13.xml><?xml version="1.0" encoding="utf-8"?>
-<p:sld xmlns:a="http://schemas.openxmlformats.org/drawingml/2006/main" xmlns:r="http://schemas.openxmlformats.org/officeDocument/2006/relationships" xmlns:p="http://schemas.openxmlformats.org/presentationml/2006/main">
-  <p:cSld>
-    <p:spTree>
-      <p:nvGrpSpPr>
-        <p:cNvPr id="1" name=""/>
-        <p:cNvGrpSpPr/>
-        <p:nvPr/>
-      </p:nvGrpSpPr>
-      <p:grpSpPr>
-        <a:xfrm>
-          <a:off x="0" y="0"/>
-          <a:ext cx="0" cy="0"/>
-          <a:chOff x="0" y="0"/>
-          <a:chExt cx="0" cy="0"/>
-        </a:xfrm>
-      </p:grpSpPr>
-      <p:sp>
-        <p:nvSpPr>
-          <p:cNvPr id="3" name="Rectangle 2">
-            <a:extLst>
-              <a:ext uri="{FF2B5EF4-FFF2-40B4-BE49-F238E27FC236}">
-                <a16:creationId xmlns:a16="http://schemas.microsoft.com/office/drawing/2014/main" id="{25C9728F-2044-42A6-9DD9-EA052EA5C07D}"/>
-              </a:ext>
-            </a:extLst>
-          </p:cNvPr>
-          <p:cNvSpPr/>
-          <p:nvPr/>
-        </p:nvSpPr>
-        <p:spPr>
-          <a:xfrm>
-            <a:off x="4893077" y="5184563"/>
-            <a:ext cx="433526" cy="266331"/>
-          </a:xfrm>
-          <a:prstGeom prst="rect">
-            <a:avLst/>
-          </a:prstGeom>
-          <a:solidFill>
-            <a:schemeClr val="bg1"/>
-          </a:solidFill>
-          <a:ln>
-            <a:solidFill>
-              <a:schemeClr val="bg1"/>
-            </a:solidFill>
-          </a:ln>
-        </p:spPr>
-        <p:style>
-          <a:lnRef idx="2">
-            <a:schemeClr val="accent1">
-              <a:shade val="50000"/>
-            </a:schemeClr>
-          </a:lnRef>
-          <a:fillRef idx="1">
-            <a:schemeClr val="accent1"/>
-          </a:fillRef>
-          <a:effectRef idx="0">
-            <a:schemeClr val="accent1"/>
-          </a:effectRef>
-          <a:fontRef idx="minor">
-            <a:schemeClr val="lt1"/>
-          </a:fontRef>
-        </p:style>
-        <p:txBody>
-          <a:bodyPr rtlCol="0" anchor="ctr"/>
-          <a:lstStyle/>
-          <a:p>
-            <a:pPr algn="ctr"/>
-            <a:endParaRPr lang="en-US"/>
-          </a:p>
-        </p:txBody>
-      </p:sp>
-      <p:sp>
-        <p:nvSpPr>
-          <p:cNvPr id="4" name="Rectangle 3">
-            <a:extLst>
-              <a:ext uri="{FF2B5EF4-FFF2-40B4-BE49-F238E27FC236}">
-                <a16:creationId xmlns:a16="http://schemas.microsoft.com/office/drawing/2014/main" id="{0F9594C5-155D-46B0-8861-CBC068AC1F66}"/>
-              </a:ext>
-            </a:extLst>
-          </p:cNvPr>
-          <p:cNvSpPr/>
-          <p:nvPr/>
-        </p:nvSpPr>
-        <p:spPr>
-          <a:xfrm>
-            <a:off x="7460203" y="4859045"/>
-            <a:ext cx="433526" cy="266331"/>
-          </a:xfrm>
-          <a:prstGeom prst="rect">
-            <a:avLst/>
-          </a:prstGeom>
-          <a:solidFill>
-            <a:schemeClr val="bg1"/>
-          </a:solidFill>
-          <a:ln>
-            <a:solidFill>
-              <a:schemeClr val="bg1"/>
-            </a:solidFill>
-          </a:ln>
-        </p:spPr>
-        <p:style>
-          <a:lnRef idx="2">
-            <a:schemeClr val="accent1">
-              <a:shade val="50000"/>
-            </a:schemeClr>
-          </a:lnRef>
-          <a:fillRef idx="1">
-            <a:schemeClr val="accent1"/>
-          </a:fillRef>
-          <a:effectRef idx="0">
-            <a:schemeClr val="accent1"/>
-          </a:effectRef>
-          <a:fontRef idx="minor">
-            <a:schemeClr val="lt1"/>
-          </a:fontRef>
-        </p:style>
-        <p:txBody>
-          <a:bodyPr rtlCol="0" anchor="ctr"/>
-          <a:lstStyle/>
-          <a:p>
-            <a:pPr algn="ctr"/>
-            <a:endParaRPr lang="en-US"/>
-          </a:p>
-        </p:txBody>
-      </p:sp>
-      <p:sp>
-        <p:nvSpPr>
-          <p:cNvPr id="6" name="Rectangle 5">
-            <a:extLst>
-              <a:ext uri="{FF2B5EF4-FFF2-40B4-BE49-F238E27FC236}">
-                <a16:creationId xmlns:a16="http://schemas.microsoft.com/office/drawing/2014/main" id="{3C8E3BA1-D526-4030-9953-9AC120817B0B}"/>
-              </a:ext>
-            </a:extLst>
-          </p:cNvPr>
-          <p:cNvSpPr/>
-          <p:nvPr/>
-        </p:nvSpPr>
-        <p:spPr>
-          <a:xfrm>
-            <a:off x="7535524" y="5177162"/>
-            <a:ext cx="433526" cy="266331"/>
-          </a:xfrm>
-          <a:prstGeom prst="rect">
-            <a:avLst/>
-          </a:prstGeom>
-          <a:solidFill>
-            <a:schemeClr val="bg1"/>
-          </a:solidFill>
-          <a:ln>
-            <a:solidFill>
-              <a:schemeClr val="bg1"/>
-            </a:solidFill>
-          </a:ln>
-        </p:spPr>
-        <p:style>
-          <a:lnRef idx="2">
-            <a:schemeClr val="accent1">
-              <a:shade val="50000"/>
-            </a:schemeClr>
-          </a:lnRef>
-          <a:fillRef idx="1">
-            <a:schemeClr val="accent1"/>
-          </a:fillRef>
-          <a:effectRef idx="0">
-            <a:schemeClr val="accent1"/>
-          </a:effectRef>
-          <a:fontRef idx="minor">
-            <a:schemeClr val="lt1"/>
-          </a:fontRef>
-        </p:style>
-        <p:txBody>
-          <a:bodyPr rtlCol="0" anchor="ctr"/>
-          <a:lstStyle/>
-          <a:p>
-            <a:pPr algn="ctr"/>
-            <a:endParaRPr lang="en-US"/>
-          </a:p>
-        </p:txBody>
-      </p:sp>
-      <p:sp>
-        <p:nvSpPr>
-          <p:cNvPr id="7" name="Rectangle 6">
-            <a:extLst>
-              <a:ext uri="{FF2B5EF4-FFF2-40B4-BE49-F238E27FC236}">
-                <a16:creationId xmlns:a16="http://schemas.microsoft.com/office/drawing/2014/main" id="{09D295C6-620C-4F29-B14B-1F4854583011}"/>
-              </a:ext>
-            </a:extLst>
-          </p:cNvPr>
-          <p:cNvSpPr/>
-          <p:nvPr/>
-        </p:nvSpPr>
-        <p:spPr>
-          <a:xfrm>
-            <a:off x="5871706" y="4866441"/>
-            <a:ext cx="433526" cy="266331"/>
-          </a:xfrm>
-          <a:prstGeom prst="rect">
-            <a:avLst/>
-          </a:prstGeom>
-          <a:solidFill>
-            <a:schemeClr val="bg1"/>
-          </a:solidFill>
-          <a:ln>
-            <a:solidFill>
-              <a:schemeClr val="bg1"/>
-            </a:solidFill>
-          </a:ln>
-        </p:spPr>
-        <p:style>
-          <a:lnRef idx="2">
-            <a:schemeClr val="accent1">
-              <a:shade val="50000"/>
-            </a:schemeClr>
-          </a:lnRef>
-          <a:fillRef idx="1">
-            <a:schemeClr val="accent1"/>
-          </a:fillRef>
-          <a:effectRef idx="0">
-            <a:schemeClr val="accent1"/>
-          </a:effectRef>
-          <a:fontRef idx="minor">
-            <a:schemeClr val="lt1"/>
-          </a:fontRef>
-        </p:style>
-        <p:txBody>
-          <a:bodyPr rtlCol="0" anchor="ctr"/>
-          <a:lstStyle/>
-          <a:p>
-            <a:pPr algn="ctr"/>
-            <a:endParaRPr lang="en-US"/>
-          </a:p>
-        </p:txBody>
-      </p:sp>
-      <p:sp>
-        <p:nvSpPr>
-          <p:cNvPr id="8" name="Rectangle 7">
-            <a:extLst>
-              <a:ext uri="{FF2B5EF4-FFF2-40B4-BE49-F238E27FC236}">
-                <a16:creationId xmlns:a16="http://schemas.microsoft.com/office/drawing/2014/main" id="{87FC4ED4-8B17-43EE-A03F-D392E2A8FCE7}"/>
-              </a:ext>
-            </a:extLst>
-          </p:cNvPr>
-          <p:cNvSpPr/>
-          <p:nvPr/>
-        </p:nvSpPr>
-        <p:spPr>
-          <a:xfrm>
-            <a:off x="4893077" y="4856085"/>
-            <a:ext cx="433526" cy="266331"/>
-          </a:xfrm>
-          <a:prstGeom prst="rect">
-            <a:avLst/>
-          </a:prstGeom>
-          <a:solidFill>
-            <a:schemeClr val="bg1"/>
-          </a:solidFill>
-          <a:ln>
-            <a:solidFill>
-              <a:schemeClr val="bg1"/>
-            </a:solidFill>
-          </a:ln>
-        </p:spPr>
-        <p:style>
-          <a:lnRef idx="2">
-            <a:schemeClr val="accent1">
-              <a:shade val="50000"/>
-            </a:schemeClr>
-          </a:lnRef>
-          <a:fillRef idx="1">
-            <a:schemeClr val="accent1"/>
-          </a:fillRef>
-          <a:effectRef idx="0">
-            <a:schemeClr val="accent1"/>
-          </a:effectRef>
-          <a:fontRef idx="minor">
-            <a:schemeClr val="lt1"/>
-          </a:fontRef>
-        </p:style>
-        <p:txBody>
-          <a:bodyPr rtlCol="0" anchor="ctr"/>
-          <a:lstStyle/>
-          <a:p>
-            <a:pPr algn="ctr"/>
-            <a:endParaRPr lang="en-US"/>
-          </a:p>
-        </p:txBody>
-      </p:sp>
-      <p:sp>
-        <p:nvSpPr>
-          <p:cNvPr id="9" name="Rectangle 8">
-            <a:extLst>
-              <a:ext uri="{FF2B5EF4-FFF2-40B4-BE49-F238E27FC236}">
-                <a16:creationId xmlns:a16="http://schemas.microsoft.com/office/drawing/2014/main" id="{D0FE678D-D40E-40CF-83C2-42357A1B909A}"/>
-              </a:ext>
-            </a:extLst>
-          </p:cNvPr>
-          <p:cNvSpPr/>
-          <p:nvPr/>
-        </p:nvSpPr>
-        <p:spPr>
-          <a:xfrm>
-            <a:off x="5834041" y="5184563"/>
-            <a:ext cx="433526" cy="266331"/>
-          </a:xfrm>
-          <a:prstGeom prst="rect">
-            <a:avLst/>
-          </a:prstGeom>
-          <a:solidFill>
-            <a:schemeClr val="bg1"/>
-          </a:solidFill>
-          <a:ln>
-            <a:solidFill>
-              <a:schemeClr val="bg1"/>
-            </a:solidFill>
-          </a:ln>
-        </p:spPr>
-        <p:style>
-          <a:lnRef idx="2">
-            <a:schemeClr val="accent1">
-              <a:shade val="50000"/>
-            </a:schemeClr>
-          </a:lnRef>
-          <a:fillRef idx="1">
-            <a:schemeClr val="accent1"/>
-          </a:fillRef>
-          <a:effectRef idx="0">
-            <a:schemeClr val="accent1"/>
-          </a:effectRef>
-          <a:fontRef idx="minor">
-            <a:schemeClr val="lt1"/>
-          </a:fontRef>
-        </p:style>
-        <p:txBody>
-          <a:bodyPr rtlCol="0" anchor="ctr"/>
-          <a:lstStyle/>
-          <a:p>
-            <a:pPr algn="ctr"/>
-            <a:endParaRPr lang="en-US"/>
-          </a:p>
-        </p:txBody>
-      </p:sp>
-      <p:sp>
-        <p:nvSpPr>
-          <p:cNvPr id="10" name="Rectangle 9">
-            <a:extLst>
-              <a:ext uri="{FF2B5EF4-FFF2-40B4-BE49-F238E27FC236}">
-                <a16:creationId xmlns:a16="http://schemas.microsoft.com/office/drawing/2014/main" id="{FA346FCA-21D6-495A-8237-AF590F0E0416}"/>
-              </a:ext>
-            </a:extLst>
-          </p:cNvPr>
-          <p:cNvSpPr/>
-          <p:nvPr/>
-        </p:nvSpPr>
-        <p:spPr>
-          <a:xfrm>
-            <a:off x="4893077" y="5504163"/>
-            <a:ext cx="433526" cy="233900"/>
-          </a:xfrm>
-          <a:prstGeom prst="rect">
-            <a:avLst/>
-          </a:prstGeom>
-          <a:solidFill>
-            <a:schemeClr val="bg1"/>
-          </a:solidFill>
-          <a:ln>
-            <a:solidFill>
-              <a:schemeClr val="bg1"/>
-            </a:solidFill>
-          </a:ln>
-        </p:spPr>
-        <p:style>
-          <a:lnRef idx="2">
-            <a:schemeClr val="accent1">
-              <a:shade val="50000"/>
-            </a:schemeClr>
-          </a:lnRef>
-          <a:fillRef idx="1">
-            <a:schemeClr val="accent1"/>
-          </a:fillRef>
-          <a:effectRef idx="0">
-            <a:schemeClr val="accent1"/>
-          </a:effectRef>
-          <a:fontRef idx="minor">
-            <a:schemeClr val="lt1"/>
-          </a:fontRef>
-        </p:style>
-        <p:txBody>
-          <a:bodyPr rtlCol="0" anchor="ctr"/>
-          <a:lstStyle/>
-          <a:p>
-            <a:pPr algn="ctr"/>
-            <a:endParaRPr lang="en-US"/>
-          </a:p>
-        </p:txBody>
-      </p:sp>
-      <p:sp>
-        <p:nvSpPr>
-          <p:cNvPr id="11" name="Rectangle 10">
-            <a:extLst>
-              <a:ext uri="{FF2B5EF4-FFF2-40B4-BE49-F238E27FC236}">
-                <a16:creationId xmlns:a16="http://schemas.microsoft.com/office/drawing/2014/main" id="{3A046B4D-AAF7-4DA2-BBF8-A58B5832E0E3}"/>
-              </a:ext>
-            </a:extLst>
-          </p:cNvPr>
-          <p:cNvSpPr/>
-          <p:nvPr/>
-        </p:nvSpPr>
-        <p:spPr>
-          <a:xfrm>
-            <a:off x="5871706" y="5489368"/>
-            <a:ext cx="433526" cy="266331"/>
-          </a:xfrm>
-          <a:prstGeom prst="rect">
-            <a:avLst/>
-          </a:prstGeom>
-          <a:solidFill>
-            <a:schemeClr val="bg1"/>
-          </a:solidFill>
-          <a:ln>
-            <a:solidFill>
-              <a:schemeClr val="bg1"/>
-            </a:solidFill>
-          </a:ln>
-        </p:spPr>
-        <p:style>
-          <a:lnRef idx="2">
-            <a:schemeClr val="accent1">
-              <a:shade val="50000"/>
-            </a:schemeClr>
-          </a:lnRef>
-          <a:fillRef idx="1">
-            <a:schemeClr val="accent1"/>
-          </a:fillRef>
-          <a:effectRef idx="0">
-            <a:schemeClr val="accent1"/>
-          </a:effectRef>
-          <a:fontRef idx="minor">
-            <a:schemeClr val="lt1"/>
-          </a:fontRef>
-        </p:style>
-        <p:txBody>
-          <a:bodyPr rtlCol="0" anchor="ctr"/>
-          <a:lstStyle/>
-          <a:p>
-            <a:pPr algn="ctr"/>
-            <a:endParaRPr lang="en-US"/>
-          </a:p>
-        </p:txBody>
-      </p:sp>
-      <p:sp>
-        <p:nvSpPr>
-          <p:cNvPr id="12" name="Rectangle 11">
-            <a:extLst>
-              <a:ext uri="{FF2B5EF4-FFF2-40B4-BE49-F238E27FC236}">
-                <a16:creationId xmlns:a16="http://schemas.microsoft.com/office/drawing/2014/main" id="{CC5C4F75-C478-4D5C-9371-58E0FD2529F3}"/>
-              </a:ext>
-            </a:extLst>
-          </p:cNvPr>
-          <p:cNvSpPr/>
-          <p:nvPr/>
-        </p:nvSpPr>
-        <p:spPr>
-          <a:xfrm>
-            <a:off x="7460203" y="5495285"/>
-            <a:ext cx="433526" cy="266331"/>
-          </a:xfrm>
-          <a:prstGeom prst="rect">
-            <a:avLst/>
-          </a:prstGeom>
-          <a:solidFill>
-            <a:schemeClr val="bg1"/>
-          </a:solidFill>
-          <a:ln>
-            <a:solidFill>
-              <a:schemeClr val="bg1"/>
-            </a:solidFill>
-          </a:ln>
-        </p:spPr>
-        <p:style>
-          <a:lnRef idx="2">
-            <a:schemeClr val="accent1">
-              <a:shade val="50000"/>
-            </a:schemeClr>
-          </a:lnRef>
-          <a:fillRef idx="1">
-            <a:schemeClr val="accent1"/>
-          </a:fillRef>
-          <a:effectRef idx="0">
-            <a:schemeClr val="accent1"/>
-          </a:effectRef>
-          <a:fontRef idx="minor">
-            <a:schemeClr val="lt1"/>
-          </a:fontRef>
-        </p:style>
-        <p:txBody>
-          <a:bodyPr rtlCol="0" anchor="ctr"/>
-          <a:lstStyle/>
-          <a:p>
-            <a:pPr algn="ctr"/>
-            <a:endParaRPr lang="en-US"/>
-          </a:p>
-        </p:txBody>
-      </p:sp>
-      <p:sp>
-        <p:nvSpPr>
-          <p:cNvPr id="13" name="Rectangle 12">
-            <a:extLst>
-              <a:ext uri="{FF2B5EF4-FFF2-40B4-BE49-F238E27FC236}">
-                <a16:creationId xmlns:a16="http://schemas.microsoft.com/office/drawing/2014/main" id="{2BBE8D50-AE35-4BC3-8861-657847901AF4}"/>
-              </a:ext>
-            </a:extLst>
-          </p:cNvPr>
-          <p:cNvSpPr/>
-          <p:nvPr/>
-        </p:nvSpPr>
-        <p:spPr>
-          <a:xfrm>
-            <a:off x="7535524" y="5822280"/>
-            <a:ext cx="433526" cy="266331"/>
-          </a:xfrm>
-          <a:prstGeom prst="rect">
-            <a:avLst/>
-          </a:prstGeom>
-          <a:solidFill>
-            <a:schemeClr val="bg1"/>
-          </a:solidFill>
-          <a:ln>
-            <a:solidFill>
-              <a:schemeClr val="bg1"/>
-            </a:solidFill>
-          </a:ln>
-        </p:spPr>
-        <p:style>
-          <a:lnRef idx="2">
-            <a:schemeClr val="accent1">
-              <a:shade val="50000"/>
-            </a:schemeClr>
-          </a:lnRef>
-          <a:fillRef idx="1">
-            <a:schemeClr val="accent1"/>
-          </a:fillRef>
-          <a:effectRef idx="0">
-            <a:schemeClr val="accent1"/>
-          </a:effectRef>
-          <a:fontRef idx="minor">
-            <a:schemeClr val="lt1"/>
-          </a:fontRef>
-        </p:style>
-        <p:txBody>
-          <a:bodyPr rtlCol="0" anchor="ctr"/>
-          <a:lstStyle/>
-          <a:p>
-            <a:pPr algn="ctr"/>
-            <a:endParaRPr lang="en-US"/>
-          </a:p>
-        </p:txBody>
-      </p:sp>
-      <p:sp>
-        <p:nvSpPr>
-          <p:cNvPr id="14" name="Rectangle 13">
-            <a:extLst>
-              <a:ext uri="{FF2B5EF4-FFF2-40B4-BE49-F238E27FC236}">
-                <a16:creationId xmlns:a16="http://schemas.microsoft.com/office/drawing/2014/main" id="{DE74EA0A-35F4-4036-940C-2C035225FC7D}"/>
-              </a:ext>
-            </a:extLst>
-          </p:cNvPr>
-          <p:cNvSpPr/>
-          <p:nvPr/>
-        </p:nvSpPr>
-        <p:spPr>
-          <a:xfrm>
-            <a:off x="5970838" y="5810449"/>
-            <a:ext cx="433526" cy="266331"/>
-          </a:xfrm>
-          <a:prstGeom prst="rect">
-            <a:avLst/>
-          </a:prstGeom>
-          <a:solidFill>
-            <a:schemeClr val="bg1"/>
-          </a:solidFill>
-          <a:ln>
-            <a:solidFill>
-              <a:schemeClr val="bg1"/>
-            </a:solidFill>
-          </a:ln>
-        </p:spPr>
-        <p:style>
-          <a:lnRef idx="2">
-            <a:schemeClr val="accent1">
-              <a:shade val="50000"/>
-            </a:schemeClr>
-          </a:lnRef>
-          <a:fillRef idx="1">
-            <a:schemeClr val="accent1"/>
-          </a:fillRef>
-          <a:effectRef idx="0">
-            <a:schemeClr val="accent1"/>
-          </a:effectRef>
-          <a:fontRef idx="minor">
-            <a:schemeClr val="lt1"/>
-          </a:fontRef>
-        </p:style>
-        <p:txBody>
-          <a:bodyPr rtlCol="0" anchor="ctr"/>
-          <a:lstStyle/>
-          <a:p>
-            <a:pPr algn="ctr"/>
-            <a:endParaRPr lang="en-US"/>
-          </a:p>
-        </p:txBody>
-      </p:sp>
-      <p:sp>
-        <p:nvSpPr>
-          <p:cNvPr id="15" name="Rectangle 14">
-            <a:extLst>
-              <a:ext uri="{FF2B5EF4-FFF2-40B4-BE49-F238E27FC236}">
-                <a16:creationId xmlns:a16="http://schemas.microsoft.com/office/drawing/2014/main" id="{B06B88A8-D534-41E8-9CBA-6B727F100B53}"/>
-              </a:ext>
-            </a:extLst>
-          </p:cNvPr>
-          <p:cNvSpPr/>
-          <p:nvPr/>
-        </p:nvSpPr>
-        <p:spPr>
-          <a:xfrm>
-            <a:off x="4870017" y="5810450"/>
-            <a:ext cx="433526" cy="266331"/>
-          </a:xfrm>
-          <a:prstGeom prst="rect">
-            <a:avLst/>
-          </a:prstGeom>
-          <a:solidFill>
-            <a:schemeClr val="bg1"/>
-          </a:solidFill>
-          <a:ln>
-            <a:solidFill>
-              <a:schemeClr val="bg1"/>
-            </a:solidFill>
-          </a:ln>
-        </p:spPr>
-        <p:style>
-          <a:lnRef idx="2">
-            <a:schemeClr val="accent1">
-              <a:shade val="50000"/>
-            </a:schemeClr>
-          </a:lnRef>
-          <a:fillRef idx="1">
-            <a:schemeClr val="accent1"/>
-          </a:fillRef>
-          <a:effectRef idx="0">
-            <a:schemeClr val="accent1"/>
-          </a:effectRef>
-          <a:fontRef idx="minor">
-            <a:schemeClr val="lt1"/>
-          </a:fontRef>
-        </p:style>
-        <p:txBody>
-          <a:bodyPr rtlCol="0" anchor="ctr"/>
-          <a:lstStyle/>
-          <a:p>
-            <a:pPr algn="ctr"/>
-            <a:endParaRPr lang="en-US"/>
-          </a:p>
-        </p:txBody>
-      </p:sp>
-      <p:sp>
-        <p:nvSpPr>
-          <p:cNvPr id="16" name="Rectangle 15">
-            <a:extLst>
-              <a:ext uri="{FF2B5EF4-FFF2-40B4-BE49-F238E27FC236}">
-                <a16:creationId xmlns:a16="http://schemas.microsoft.com/office/drawing/2014/main" id="{BD506ADA-1C16-4573-B13D-A904F9C958D0}"/>
-              </a:ext>
-            </a:extLst>
-          </p:cNvPr>
-          <p:cNvSpPr/>
-          <p:nvPr/>
-        </p:nvSpPr>
-        <p:spPr>
-          <a:xfrm>
-            <a:off x="2342368" y="1830279"/>
-            <a:ext cx="7290499" cy="797511"/>
-          </a:xfrm>
-          <a:prstGeom prst="rect">
-            <a:avLst/>
-          </a:prstGeom>
-          <a:solidFill>
-            <a:schemeClr val="bg1"/>
-          </a:solidFill>
-          <a:ln>
-            <a:solidFill>
-              <a:schemeClr val="bg1"/>
-            </a:solidFill>
-          </a:ln>
-        </p:spPr>
-        <p:style>
-          <a:lnRef idx="2">
-            <a:schemeClr val="accent1">
-              <a:shade val="50000"/>
-            </a:schemeClr>
-          </a:lnRef>
-          <a:fillRef idx="1">
-            <a:schemeClr val="accent1"/>
-          </a:fillRef>
-          <a:effectRef idx="0">
-            <a:schemeClr val="accent1"/>
-          </a:effectRef>
-          <a:fontRef idx="minor">
-            <a:schemeClr val="lt1"/>
-          </a:fontRef>
-        </p:style>
-        <p:txBody>
-          <a:bodyPr rtlCol="0" anchor="ctr"/>
-          <a:lstStyle/>
-          <a:p>
-            <a:pPr algn="ctr"/>
-            <a:endParaRPr lang="en-US"/>
-          </a:p>
-        </p:txBody>
-      </p:sp>
-      <p:sp>
-        <p:nvSpPr>
-          <p:cNvPr id="2" name="Footer Placeholder 1">
-            <a:extLst>
-              <a:ext uri="{FF2B5EF4-FFF2-40B4-BE49-F238E27FC236}">
-                <a16:creationId xmlns:a16="http://schemas.microsoft.com/office/drawing/2014/main" id="{F64E14E6-4F33-4AFE-BEBC-BAB574EE861A}"/>
-              </a:ext>
-            </a:extLst>
-          </p:cNvPr>
-          <p:cNvSpPr>
-            <a:spLocks noGrp="1"/>
-          </p:cNvSpPr>
-          <p:nvPr>
-            <p:ph type="ftr" sz="quarter" idx="11"/>
-          </p:nvPr>
-        </p:nvSpPr>
-        <p:spPr/>
-        <p:txBody>
-          <a:bodyPr/>
-          <a:lstStyle/>
-          <a:p>
-            <a:r>
-              <a:rPr lang="en-US"/>
-              <a:t>Dr. Nike Dattani, MATH 135, Fall 2021</a:t>
-            </a:r>
-            <a:endParaRPr lang="en-US" dirty="0"/>
-          </a:p>
-        </p:txBody>
-      </p:sp>
-      <p:sp>
-        <p:nvSpPr>
-          <p:cNvPr id="5" name="TextBox 4">
-            <a:extLst>
-              <a:ext uri="{FF2B5EF4-FFF2-40B4-BE49-F238E27FC236}">
-                <a16:creationId xmlns:a16="http://schemas.microsoft.com/office/drawing/2014/main" id="{98F48257-DAD2-454D-A172-3C23BF548E40}"/>
-              </a:ext>
-            </a:extLst>
-          </p:cNvPr>
-          <p:cNvSpPr txBox="1"/>
-          <p:nvPr/>
-        </p:nvSpPr>
-        <p:spPr>
-          <a:xfrm>
             <a:off x="132013" y="80682"/>
             <a:ext cx="11677649" cy="5970865"/>
           </a:xfrm>
@@ -7874,7 +5256,7 @@
 </p:sld>
 </file>
 
-<file path=ppt/slides/slide14.xml><?xml version="1.0" encoding="utf-8"?>
+<file path=ppt/slides/slide11.xml><?xml version="1.0" encoding="utf-8"?>
 <p:sld xmlns:a="http://schemas.openxmlformats.org/drawingml/2006/main" xmlns:r="http://schemas.openxmlformats.org/officeDocument/2006/relationships" xmlns:p="http://schemas.openxmlformats.org/presentationml/2006/main">
   <p:cSld>
     <p:spTree>
@@ -8736,7 +6118,7 @@
 </p:sld>
 </file>
 
-<file path=ppt/slides/slide15.xml><?xml version="1.0" encoding="utf-8"?>
+<file path=ppt/slides/slide12.xml><?xml version="1.0" encoding="utf-8"?>
 <p:sld xmlns:a="http://schemas.openxmlformats.org/drawingml/2006/main" xmlns:r="http://schemas.openxmlformats.org/officeDocument/2006/relationships" xmlns:p="http://schemas.openxmlformats.org/presentationml/2006/main">
   <p:cSld>
     <p:spTree>
@@ -9915,7 +7297,7 @@
 </p:sld>
 </file>
 
-<file path=ppt/slides/slide16.xml><?xml version="1.0" encoding="utf-8"?>
+<file path=ppt/slides/slide13.xml><?xml version="1.0" encoding="utf-8"?>
 <p:sld xmlns:a="http://schemas.openxmlformats.org/drawingml/2006/main" xmlns:r="http://schemas.openxmlformats.org/officeDocument/2006/relationships" xmlns:p="http://schemas.openxmlformats.org/presentationml/2006/main">
   <p:cSld>
     <p:spTree>
@@ -11019,7 +8401,7 @@
 </p:sld>
 </file>
 
-<file path=ppt/slides/slide17.xml><?xml version="1.0" encoding="utf-8"?>
+<file path=ppt/slides/slide14.xml><?xml version="1.0" encoding="utf-8"?>
 <p:sld xmlns:a="http://schemas.openxmlformats.org/drawingml/2006/main" xmlns:r="http://schemas.openxmlformats.org/officeDocument/2006/relationships" xmlns:p="http://schemas.openxmlformats.org/presentationml/2006/main">
   <p:cSld>
     <p:spTree>
@@ -12197,7 +9579,7 @@
 </p:sld>
 </file>
 
-<file path=ppt/slides/slide18.xml><?xml version="1.0" encoding="utf-8"?>
+<file path=ppt/slides/slide15.xml><?xml version="1.0" encoding="utf-8"?>
 <p:sld xmlns:a="http://schemas.openxmlformats.org/drawingml/2006/main" xmlns:r="http://schemas.openxmlformats.org/officeDocument/2006/relationships" xmlns:p="http://schemas.openxmlformats.org/presentationml/2006/main">
   <p:cSld>
     <p:spTree>
@@ -13050,797 +10432,6 @@
     <p:extLst>
       <p:ext uri="{BB962C8B-B14F-4D97-AF65-F5344CB8AC3E}">
         <p14:creationId xmlns:p14="http://schemas.microsoft.com/office/powerpoint/2010/main" val="1752163697"/>
-      </p:ext>
-    </p:extLst>
-  </p:cSld>
-  <p:clrMapOvr>
-    <a:masterClrMapping/>
-  </p:clrMapOvr>
-</p:sld>
-</file>
-
-<file path=ppt/slides/slide19.xml><?xml version="1.0" encoding="utf-8"?>
-<p:sld xmlns:a="http://schemas.openxmlformats.org/drawingml/2006/main" xmlns:r="http://schemas.openxmlformats.org/officeDocument/2006/relationships" xmlns:p="http://schemas.openxmlformats.org/presentationml/2006/main">
-  <p:cSld>
-    <p:spTree>
-      <p:nvGrpSpPr>
-        <p:cNvPr id="1" name=""/>
-        <p:cNvGrpSpPr/>
-        <p:nvPr/>
-      </p:nvGrpSpPr>
-      <p:grpSpPr>
-        <a:xfrm>
-          <a:off x="0" y="0"/>
-          <a:ext cx="0" cy="0"/>
-          <a:chOff x="0" y="0"/>
-          <a:chExt cx="0" cy="0"/>
-        </a:xfrm>
-      </p:grpSpPr>
-      <p:sp>
-        <p:nvSpPr>
-          <p:cNvPr id="3" name="Rectangle 2">
-            <a:extLst>
-              <a:ext uri="{FF2B5EF4-FFF2-40B4-BE49-F238E27FC236}">
-                <a16:creationId xmlns:a16="http://schemas.microsoft.com/office/drawing/2014/main" id="{25C9728F-2044-42A6-9DD9-EA052EA5C07D}"/>
-              </a:ext>
-            </a:extLst>
-          </p:cNvPr>
-          <p:cNvSpPr/>
-          <p:nvPr/>
-        </p:nvSpPr>
-        <p:spPr>
-          <a:xfrm>
-            <a:off x="4893077" y="5184563"/>
-            <a:ext cx="433526" cy="266331"/>
-          </a:xfrm>
-          <a:prstGeom prst="rect">
-            <a:avLst/>
-          </a:prstGeom>
-          <a:solidFill>
-            <a:schemeClr val="bg1"/>
-          </a:solidFill>
-          <a:ln>
-            <a:solidFill>
-              <a:schemeClr val="bg1"/>
-            </a:solidFill>
-          </a:ln>
-        </p:spPr>
-        <p:style>
-          <a:lnRef idx="2">
-            <a:schemeClr val="accent1">
-              <a:shade val="50000"/>
-            </a:schemeClr>
-          </a:lnRef>
-          <a:fillRef idx="1">
-            <a:schemeClr val="accent1"/>
-          </a:fillRef>
-          <a:effectRef idx="0">
-            <a:schemeClr val="accent1"/>
-          </a:effectRef>
-          <a:fontRef idx="minor">
-            <a:schemeClr val="lt1"/>
-          </a:fontRef>
-        </p:style>
-        <p:txBody>
-          <a:bodyPr rtlCol="0" anchor="ctr"/>
-          <a:lstStyle/>
-          <a:p>
-            <a:pPr algn="ctr"/>
-            <a:endParaRPr lang="en-US"/>
-          </a:p>
-        </p:txBody>
-      </p:sp>
-      <p:sp>
-        <p:nvSpPr>
-          <p:cNvPr id="4" name="Rectangle 3">
-            <a:extLst>
-              <a:ext uri="{FF2B5EF4-FFF2-40B4-BE49-F238E27FC236}">
-                <a16:creationId xmlns:a16="http://schemas.microsoft.com/office/drawing/2014/main" id="{0F9594C5-155D-46B0-8861-CBC068AC1F66}"/>
-              </a:ext>
-            </a:extLst>
-          </p:cNvPr>
-          <p:cNvSpPr/>
-          <p:nvPr/>
-        </p:nvSpPr>
-        <p:spPr>
-          <a:xfrm>
-            <a:off x="7460203" y="4859045"/>
-            <a:ext cx="433526" cy="266331"/>
-          </a:xfrm>
-          <a:prstGeom prst="rect">
-            <a:avLst/>
-          </a:prstGeom>
-          <a:solidFill>
-            <a:schemeClr val="bg1"/>
-          </a:solidFill>
-          <a:ln>
-            <a:solidFill>
-              <a:schemeClr val="bg1"/>
-            </a:solidFill>
-          </a:ln>
-        </p:spPr>
-        <p:style>
-          <a:lnRef idx="2">
-            <a:schemeClr val="accent1">
-              <a:shade val="50000"/>
-            </a:schemeClr>
-          </a:lnRef>
-          <a:fillRef idx="1">
-            <a:schemeClr val="accent1"/>
-          </a:fillRef>
-          <a:effectRef idx="0">
-            <a:schemeClr val="accent1"/>
-          </a:effectRef>
-          <a:fontRef idx="minor">
-            <a:schemeClr val="lt1"/>
-          </a:fontRef>
-        </p:style>
-        <p:txBody>
-          <a:bodyPr rtlCol="0" anchor="ctr"/>
-          <a:lstStyle/>
-          <a:p>
-            <a:pPr algn="ctr"/>
-            <a:endParaRPr lang="en-US"/>
-          </a:p>
-        </p:txBody>
-      </p:sp>
-      <p:sp>
-        <p:nvSpPr>
-          <p:cNvPr id="6" name="Rectangle 5">
-            <a:extLst>
-              <a:ext uri="{FF2B5EF4-FFF2-40B4-BE49-F238E27FC236}">
-                <a16:creationId xmlns:a16="http://schemas.microsoft.com/office/drawing/2014/main" id="{3C8E3BA1-D526-4030-9953-9AC120817B0B}"/>
-              </a:ext>
-            </a:extLst>
-          </p:cNvPr>
-          <p:cNvSpPr/>
-          <p:nvPr/>
-        </p:nvSpPr>
-        <p:spPr>
-          <a:xfrm>
-            <a:off x="7535524" y="5177162"/>
-            <a:ext cx="433526" cy="266331"/>
-          </a:xfrm>
-          <a:prstGeom prst="rect">
-            <a:avLst/>
-          </a:prstGeom>
-          <a:solidFill>
-            <a:schemeClr val="bg1"/>
-          </a:solidFill>
-          <a:ln>
-            <a:solidFill>
-              <a:schemeClr val="bg1"/>
-            </a:solidFill>
-          </a:ln>
-        </p:spPr>
-        <p:style>
-          <a:lnRef idx="2">
-            <a:schemeClr val="accent1">
-              <a:shade val="50000"/>
-            </a:schemeClr>
-          </a:lnRef>
-          <a:fillRef idx="1">
-            <a:schemeClr val="accent1"/>
-          </a:fillRef>
-          <a:effectRef idx="0">
-            <a:schemeClr val="accent1"/>
-          </a:effectRef>
-          <a:fontRef idx="minor">
-            <a:schemeClr val="lt1"/>
-          </a:fontRef>
-        </p:style>
-        <p:txBody>
-          <a:bodyPr rtlCol="0" anchor="ctr"/>
-          <a:lstStyle/>
-          <a:p>
-            <a:pPr algn="ctr"/>
-            <a:endParaRPr lang="en-US"/>
-          </a:p>
-        </p:txBody>
-      </p:sp>
-      <p:sp>
-        <p:nvSpPr>
-          <p:cNvPr id="7" name="Rectangle 6">
-            <a:extLst>
-              <a:ext uri="{FF2B5EF4-FFF2-40B4-BE49-F238E27FC236}">
-                <a16:creationId xmlns:a16="http://schemas.microsoft.com/office/drawing/2014/main" id="{09D295C6-620C-4F29-B14B-1F4854583011}"/>
-              </a:ext>
-            </a:extLst>
-          </p:cNvPr>
-          <p:cNvSpPr/>
-          <p:nvPr/>
-        </p:nvSpPr>
-        <p:spPr>
-          <a:xfrm>
-            <a:off x="5871706" y="4866441"/>
-            <a:ext cx="433526" cy="266331"/>
-          </a:xfrm>
-          <a:prstGeom prst="rect">
-            <a:avLst/>
-          </a:prstGeom>
-          <a:solidFill>
-            <a:schemeClr val="bg1"/>
-          </a:solidFill>
-          <a:ln>
-            <a:solidFill>
-              <a:schemeClr val="bg1"/>
-            </a:solidFill>
-          </a:ln>
-        </p:spPr>
-        <p:style>
-          <a:lnRef idx="2">
-            <a:schemeClr val="accent1">
-              <a:shade val="50000"/>
-            </a:schemeClr>
-          </a:lnRef>
-          <a:fillRef idx="1">
-            <a:schemeClr val="accent1"/>
-          </a:fillRef>
-          <a:effectRef idx="0">
-            <a:schemeClr val="accent1"/>
-          </a:effectRef>
-          <a:fontRef idx="minor">
-            <a:schemeClr val="lt1"/>
-          </a:fontRef>
-        </p:style>
-        <p:txBody>
-          <a:bodyPr rtlCol="0" anchor="ctr"/>
-          <a:lstStyle/>
-          <a:p>
-            <a:pPr algn="ctr"/>
-            <a:endParaRPr lang="en-US"/>
-          </a:p>
-        </p:txBody>
-      </p:sp>
-      <p:sp>
-        <p:nvSpPr>
-          <p:cNvPr id="8" name="Rectangle 7">
-            <a:extLst>
-              <a:ext uri="{FF2B5EF4-FFF2-40B4-BE49-F238E27FC236}">
-                <a16:creationId xmlns:a16="http://schemas.microsoft.com/office/drawing/2014/main" id="{87FC4ED4-8B17-43EE-A03F-D392E2A8FCE7}"/>
-              </a:ext>
-            </a:extLst>
-          </p:cNvPr>
-          <p:cNvSpPr/>
-          <p:nvPr/>
-        </p:nvSpPr>
-        <p:spPr>
-          <a:xfrm>
-            <a:off x="4893077" y="4856085"/>
-            <a:ext cx="433526" cy="266331"/>
-          </a:xfrm>
-          <a:prstGeom prst="rect">
-            <a:avLst/>
-          </a:prstGeom>
-          <a:solidFill>
-            <a:schemeClr val="bg1"/>
-          </a:solidFill>
-          <a:ln>
-            <a:solidFill>
-              <a:schemeClr val="bg1"/>
-            </a:solidFill>
-          </a:ln>
-        </p:spPr>
-        <p:style>
-          <a:lnRef idx="2">
-            <a:schemeClr val="accent1">
-              <a:shade val="50000"/>
-            </a:schemeClr>
-          </a:lnRef>
-          <a:fillRef idx="1">
-            <a:schemeClr val="accent1"/>
-          </a:fillRef>
-          <a:effectRef idx="0">
-            <a:schemeClr val="accent1"/>
-          </a:effectRef>
-          <a:fontRef idx="minor">
-            <a:schemeClr val="lt1"/>
-          </a:fontRef>
-        </p:style>
-        <p:txBody>
-          <a:bodyPr rtlCol="0" anchor="ctr"/>
-          <a:lstStyle/>
-          <a:p>
-            <a:pPr algn="ctr"/>
-            <a:endParaRPr lang="en-US"/>
-          </a:p>
-        </p:txBody>
-      </p:sp>
-      <p:sp>
-        <p:nvSpPr>
-          <p:cNvPr id="9" name="Rectangle 8">
-            <a:extLst>
-              <a:ext uri="{FF2B5EF4-FFF2-40B4-BE49-F238E27FC236}">
-                <a16:creationId xmlns:a16="http://schemas.microsoft.com/office/drawing/2014/main" id="{D0FE678D-D40E-40CF-83C2-42357A1B909A}"/>
-              </a:ext>
-            </a:extLst>
-          </p:cNvPr>
-          <p:cNvSpPr/>
-          <p:nvPr/>
-        </p:nvSpPr>
-        <p:spPr>
-          <a:xfrm>
-            <a:off x="5834041" y="5184563"/>
-            <a:ext cx="433526" cy="266331"/>
-          </a:xfrm>
-          <a:prstGeom prst="rect">
-            <a:avLst/>
-          </a:prstGeom>
-          <a:solidFill>
-            <a:schemeClr val="bg1"/>
-          </a:solidFill>
-          <a:ln>
-            <a:solidFill>
-              <a:schemeClr val="bg1"/>
-            </a:solidFill>
-          </a:ln>
-        </p:spPr>
-        <p:style>
-          <a:lnRef idx="2">
-            <a:schemeClr val="accent1">
-              <a:shade val="50000"/>
-            </a:schemeClr>
-          </a:lnRef>
-          <a:fillRef idx="1">
-            <a:schemeClr val="accent1"/>
-          </a:fillRef>
-          <a:effectRef idx="0">
-            <a:schemeClr val="accent1"/>
-          </a:effectRef>
-          <a:fontRef idx="minor">
-            <a:schemeClr val="lt1"/>
-          </a:fontRef>
-        </p:style>
-        <p:txBody>
-          <a:bodyPr rtlCol="0" anchor="ctr"/>
-          <a:lstStyle/>
-          <a:p>
-            <a:pPr algn="ctr"/>
-            <a:endParaRPr lang="en-US"/>
-          </a:p>
-        </p:txBody>
-      </p:sp>
-      <p:sp>
-        <p:nvSpPr>
-          <p:cNvPr id="10" name="Rectangle 9">
-            <a:extLst>
-              <a:ext uri="{FF2B5EF4-FFF2-40B4-BE49-F238E27FC236}">
-                <a16:creationId xmlns:a16="http://schemas.microsoft.com/office/drawing/2014/main" id="{FA346FCA-21D6-495A-8237-AF590F0E0416}"/>
-              </a:ext>
-            </a:extLst>
-          </p:cNvPr>
-          <p:cNvSpPr/>
-          <p:nvPr/>
-        </p:nvSpPr>
-        <p:spPr>
-          <a:xfrm>
-            <a:off x="4893077" y="5504163"/>
-            <a:ext cx="433526" cy="233900"/>
-          </a:xfrm>
-          <a:prstGeom prst="rect">
-            <a:avLst/>
-          </a:prstGeom>
-          <a:solidFill>
-            <a:schemeClr val="bg1"/>
-          </a:solidFill>
-          <a:ln>
-            <a:solidFill>
-              <a:schemeClr val="bg1"/>
-            </a:solidFill>
-          </a:ln>
-        </p:spPr>
-        <p:style>
-          <a:lnRef idx="2">
-            <a:schemeClr val="accent1">
-              <a:shade val="50000"/>
-            </a:schemeClr>
-          </a:lnRef>
-          <a:fillRef idx="1">
-            <a:schemeClr val="accent1"/>
-          </a:fillRef>
-          <a:effectRef idx="0">
-            <a:schemeClr val="accent1"/>
-          </a:effectRef>
-          <a:fontRef idx="minor">
-            <a:schemeClr val="lt1"/>
-          </a:fontRef>
-        </p:style>
-        <p:txBody>
-          <a:bodyPr rtlCol="0" anchor="ctr"/>
-          <a:lstStyle/>
-          <a:p>
-            <a:pPr algn="ctr"/>
-            <a:endParaRPr lang="en-US"/>
-          </a:p>
-        </p:txBody>
-      </p:sp>
-      <p:sp>
-        <p:nvSpPr>
-          <p:cNvPr id="11" name="Rectangle 10">
-            <a:extLst>
-              <a:ext uri="{FF2B5EF4-FFF2-40B4-BE49-F238E27FC236}">
-                <a16:creationId xmlns:a16="http://schemas.microsoft.com/office/drawing/2014/main" id="{3A046B4D-AAF7-4DA2-BBF8-A58B5832E0E3}"/>
-              </a:ext>
-            </a:extLst>
-          </p:cNvPr>
-          <p:cNvSpPr/>
-          <p:nvPr/>
-        </p:nvSpPr>
-        <p:spPr>
-          <a:xfrm>
-            <a:off x="5871706" y="5489368"/>
-            <a:ext cx="433526" cy="266331"/>
-          </a:xfrm>
-          <a:prstGeom prst="rect">
-            <a:avLst/>
-          </a:prstGeom>
-          <a:solidFill>
-            <a:schemeClr val="bg1"/>
-          </a:solidFill>
-          <a:ln>
-            <a:solidFill>
-              <a:schemeClr val="bg1"/>
-            </a:solidFill>
-          </a:ln>
-        </p:spPr>
-        <p:style>
-          <a:lnRef idx="2">
-            <a:schemeClr val="accent1">
-              <a:shade val="50000"/>
-            </a:schemeClr>
-          </a:lnRef>
-          <a:fillRef idx="1">
-            <a:schemeClr val="accent1"/>
-          </a:fillRef>
-          <a:effectRef idx="0">
-            <a:schemeClr val="accent1"/>
-          </a:effectRef>
-          <a:fontRef idx="minor">
-            <a:schemeClr val="lt1"/>
-          </a:fontRef>
-        </p:style>
-        <p:txBody>
-          <a:bodyPr rtlCol="0" anchor="ctr"/>
-          <a:lstStyle/>
-          <a:p>
-            <a:pPr algn="ctr"/>
-            <a:endParaRPr lang="en-US"/>
-          </a:p>
-        </p:txBody>
-      </p:sp>
-      <p:sp>
-        <p:nvSpPr>
-          <p:cNvPr id="12" name="Rectangle 11">
-            <a:extLst>
-              <a:ext uri="{FF2B5EF4-FFF2-40B4-BE49-F238E27FC236}">
-                <a16:creationId xmlns:a16="http://schemas.microsoft.com/office/drawing/2014/main" id="{CC5C4F75-C478-4D5C-9371-58E0FD2529F3}"/>
-              </a:ext>
-            </a:extLst>
-          </p:cNvPr>
-          <p:cNvSpPr/>
-          <p:nvPr/>
-        </p:nvSpPr>
-        <p:spPr>
-          <a:xfrm>
-            <a:off x="7460203" y="5495285"/>
-            <a:ext cx="433526" cy="266331"/>
-          </a:xfrm>
-          <a:prstGeom prst="rect">
-            <a:avLst/>
-          </a:prstGeom>
-          <a:solidFill>
-            <a:schemeClr val="bg1"/>
-          </a:solidFill>
-          <a:ln>
-            <a:solidFill>
-              <a:schemeClr val="bg1"/>
-            </a:solidFill>
-          </a:ln>
-        </p:spPr>
-        <p:style>
-          <a:lnRef idx="2">
-            <a:schemeClr val="accent1">
-              <a:shade val="50000"/>
-            </a:schemeClr>
-          </a:lnRef>
-          <a:fillRef idx="1">
-            <a:schemeClr val="accent1"/>
-          </a:fillRef>
-          <a:effectRef idx="0">
-            <a:schemeClr val="accent1"/>
-          </a:effectRef>
-          <a:fontRef idx="minor">
-            <a:schemeClr val="lt1"/>
-          </a:fontRef>
-        </p:style>
-        <p:txBody>
-          <a:bodyPr rtlCol="0" anchor="ctr"/>
-          <a:lstStyle/>
-          <a:p>
-            <a:pPr algn="ctr"/>
-            <a:endParaRPr lang="en-US"/>
-          </a:p>
-        </p:txBody>
-      </p:sp>
-      <p:sp>
-        <p:nvSpPr>
-          <p:cNvPr id="13" name="Rectangle 12">
-            <a:extLst>
-              <a:ext uri="{FF2B5EF4-FFF2-40B4-BE49-F238E27FC236}">
-                <a16:creationId xmlns:a16="http://schemas.microsoft.com/office/drawing/2014/main" id="{2BBE8D50-AE35-4BC3-8861-657847901AF4}"/>
-              </a:ext>
-            </a:extLst>
-          </p:cNvPr>
-          <p:cNvSpPr/>
-          <p:nvPr/>
-        </p:nvSpPr>
-        <p:spPr>
-          <a:xfrm>
-            <a:off x="7535524" y="5822280"/>
-            <a:ext cx="433526" cy="266331"/>
-          </a:xfrm>
-          <a:prstGeom prst="rect">
-            <a:avLst/>
-          </a:prstGeom>
-          <a:solidFill>
-            <a:schemeClr val="bg1"/>
-          </a:solidFill>
-          <a:ln>
-            <a:solidFill>
-              <a:schemeClr val="bg1"/>
-            </a:solidFill>
-          </a:ln>
-        </p:spPr>
-        <p:style>
-          <a:lnRef idx="2">
-            <a:schemeClr val="accent1">
-              <a:shade val="50000"/>
-            </a:schemeClr>
-          </a:lnRef>
-          <a:fillRef idx="1">
-            <a:schemeClr val="accent1"/>
-          </a:fillRef>
-          <a:effectRef idx="0">
-            <a:schemeClr val="accent1"/>
-          </a:effectRef>
-          <a:fontRef idx="minor">
-            <a:schemeClr val="lt1"/>
-          </a:fontRef>
-        </p:style>
-        <p:txBody>
-          <a:bodyPr rtlCol="0" anchor="ctr"/>
-          <a:lstStyle/>
-          <a:p>
-            <a:pPr algn="ctr"/>
-            <a:endParaRPr lang="en-US"/>
-          </a:p>
-        </p:txBody>
-      </p:sp>
-      <p:sp>
-        <p:nvSpPr>
-          <p:cNvPr id="14" name="Rectangle 13">
-            <a:extLst>
-              <a:ext uri="{FF2B5EF4-FFF2-40B4-BE49-F238E27FC236}">
-                <a16:creationId xmlns:a16="http://schemas.microsoft.com/office/drawing/2014/main" id="{DE74EA0A-35F4-4036-940C-2C035225FC7D}"/>
-              </a:ext>
-            </a:extLst>
-          </p:cNvPr>
-          <p:cNvSpPr/>
-          <p:nvPr/>
-        </p:nvSpPr>
-        <p:spPr>
-          <a:xfrm>
-            <a:off x="5970838" y="5810449"/>
-            <a:ext cx="433526" cy="266331"/>
-          </a:xfrm>
-          <a:prstGeom prst="rect">
-            <a:avLst/>
-          </a:prstGeom>
-          <a:solidFill>
-            <a:schemeClr val="bg1"/>
-          </a:solidFill>
-          <a:ln>
-            <a:solidFill>
-              <a:schemeClr val="bg1"/>
-            </a:solidFill>
-          </a:ln>
-        </p:spPr>
-        <p:style>
-          <a:lnRef idx="2">
-            <a:schemeClr val="accent1">
-              <a:shade val="50000"/>
-            </a:schemeClr>
-          </a:lnRef>
-          <a:fillRef idx="1">
-            <a:schemeClr val="accent1"/>
-          </a:fillRef>
-          <a:effectRef idx="0">
-            <a:schemeClr val="accent1"/>
-          </a:effectRef>
-          <a:fontRef idx="minor">
-            <a:schemeClr val="lt1"/>
-          </a:fontRef>
-        </p:style>
-        <p:txBody>
-          <a:bodyPr rtlCol="0" anchor="ctr"/>
-          <a:lstStyle/>
-          <a:p>
-            <a:pPr algn="ctr"/>
-            <a:endParaRPr lang="en-US"/>
-          </a:p>
-        </p:txBody>
-      </p:sp>
-      <p:sp>
-        <p:nvSpPr>
-          <p:cNvPr id="15" name="Rectangle 14">
-            <a:extLst>
-              <a:ext uri="{FF2B5EF4-FFF2-40B4-BE49-F238E27FC236}">
-                <a16:creationId xmlns:a16="http://schemas.microsoft.com/office/drawing/2014/main" id="{B06B88A8-D534-41E8-9CBA-6B727F100B53}"/>
-              </a:ext>
-            </a:extLst>
-          </p:cNvPr>
-          <p:cNvSpPr/>
-          <p:nvPr/>
-        </p:nvSpPr>
-        <p:spPr>
-          <a:xfrm>
-            <a:off x="4870017" y="5810450"/>
-            <a:ext cx="433526" cy="266331"/>
-          </a:xfrm>
-          <a:prstGeom prst="rect">
-            <a:avLst/>
-          </a:prstGeom>
-          <a:solidFill>
-            <a:schemeClr val="bg1"/>
-          </a:solidFill>
-          <a:ln>
-            <a:solidFill>
-              <a:schemeClr val="bg1"/>
-            </a:solidFill>
-          </a:ln>
-        </p:spPr>
-        <p:style>
-          <a:lnRef idx="2">
-            <a:schemeClr val="accent1">
-              <a:shade val="50000"/>
-            </a:schemeClr>
-          </a:lnRef>
-          <a:fillRef idx="1">
-            <a:schemeClr val="accent1"/>
-          </a:fillRef>
-          <a:effectRef idx="0">
-            <a:schemeClr val="accent1"/>
-          </a:effectRef>
-          <a:fontRef idx="minor">
-            <a:schemeClr val="lt1"/>
-          </a:fontRef>
-        </p:style>
-        <p:txBody>
-          <a:bodyPr rtlCol="0" anchor="ctr"/>
-          <a:lstStyle/>
-          <a:p>
-            <a:pPr algn="ctr"/>
-            <a:endParaRPr lang="en-US"/>
-          </a:p>
-        </p:txBody>
-      </p:sp>
-      <p:sp>
-        <p:nvSpPr>
-          <p:cNvPr id="16" name="Rectangle 15">
-            <a:extLst>
-              <a:ext uri="{FF2B5EF4-FFF2-40B4-BE49-F238E27FC236}">
-                <a16:creationId xmlns:a16="http://schemas.microsoft.com/office/drawing/2014/main" id="{BD506ADA-1C16-4573-B13D-A904F9C958D0}"/>
-              </a:ext>
-            </a:extLst>
-          </p:cNvPr>
-          <p:cNvSpPr/>
-          <p:nvPr/>
-        </p:nvSpPr>
-        <p:spPr>
-          <a:xfrm>
-            <a:off x="2342368" y="1830279"/>
-            <a:ext cx="7290499" cy="797511"/>
-          </a:xfrm>
-          <a:prstGeom prst="rect">
-            <a:avLst/>
-          </a:prstGeom>
-          <a:solidFill>
-            <a:schemeClr val="bg1"/>
-          </a:solidFill>
-          <a:ln>
-            <a:solidFill>
-              <a:schemeClr val="bg1"/>
-            </a:solidFill>
-          </a:ln>
-        </p:spPr>
-        <p:style>
-          <a:lnRef idx="2">
-            <a:schemeClr val="accent1">
-              <a:shade val="50000"/>
-            </a:schemeClr>
-          </a:lnRef>
-          <a:fillRef idx="1">
-            <a:schemeClr val="accent1"/>
-          </a:fillRef>
-          <a:effectRef idx="0">
-            <a:schemeClr val="accent1"/>
-          </a:effectRef>
-          <a:fontRef idx="minor">
-            <a:schemeClr val="lt1"/>
-          </a:fontRef>
-        </p:style>
-        <p:txBody>
-          <a:bodyPr rtlCol="0" anchor="ctr"/>
-          <a:lstStyle/>
-          <a:p>
-            <a:pPr algn="ctr"/>
-            <a:endParaRPr lang="en-US"/>
-          </a:p>
-        </p:txBody>
-      </p:sp>
-      <p:sp>
-        <p:nvSpPr>
-          <p:cNvPr id="2" name="Footer Placeholder 1">
-            <a:extLst>
-              <a:ext uri="{FF2B5EF4-FFF2-40B4-BE49-F238E27FC236}">
-                <a16:creationId xmlns:a16="http://schemas.microsoft.com/office/drawing/2014/main" id="{F64E14E6-4F33-4AFE-BEBC-BAB574EE861A}"/>
-              </a:ext>
-            </a:extLst>
-          </p:cNvPr>
-          <p:cNvSpPr>
-            <a:spLocks noGrp="1"/>
-          </p:cNvSpPr>
-          <p:nvPr>
-            <p:ph type="ftr" sz="quarter" idx="11"/>
-          </p:nvPr>
-        </p:nvSpPr>
-        <p:spPr/>
-        <p:txBody>
-          <a:bodyPr/>
-          <a:lstStyle/>
-          <a:p>
-            <a:r>
-              <a:rPr lang="en-US"/>
-              <a:t>Dr. Nike Dattani, MATH 135, Fall 2021</a:t>
-            </a:r>
-            <a:endParaRPr lang="en-US" dirty="0"/>
-          </a:p>
-        </p:txBody>
-      </p:sp>
-      <p:pic>
-        <p:nvPicPr>
-          <p:cNvPr id="17" name="Picture 16">
-            <a:extLst>
-              <a:ext uri="{FF2B5EF4-FFF2-40B4-BE49-F238E27FC236}">
-                <a16:creationId xmlns:a16="http://schemas.microsoft.com/office/drawing/2014/main" id="{2F27A135-7BA2-4942-9BFF-DA0A28E6D374}"/>
-              </a:ext>
-            </a:extLst>
-          </p:cNvPr>
-          <p:cNvPicPr>
-            <a:picLocks noChangeAspect="1"/>
-          </p:cNvPicPr>
-          <p:nvPr/>
-        </p:nvPicPr>
-        <p:blipFill>
-          <a:blip r:embed="rId2"/>
-          <a:stretch>
-            <a:fillRect/>
-          </a:stretch>
-        </p:blipFill>
-        <p:spPr>
-          <a:xfrm>
-            <a:off x="1654649" y="134731"/>
-            <a:ext cx="8792309" cy="6316804"/>
-          </a:xfrm>
-          <a:prstGeom prst="rect">
-            <a:avLst/>
-          </a:prstGeom>
-        </p:spPr>
-      </p:pic>
-    </p:spTree>
-    <p:extLst>
-      <p:ext uri="{BB962C8B-B14F-4D97-AF65-F5344CB8AC3E}">
-        <p14:creationId xmlns:p14="http://schemas.microsoft.com/office/powerpoint/2010/main" val="1891450905"/>
       </p:ext>
     </p:extLst>
   </p:cSld>
@@ -14318,797 +10909,6 @@
       <p:transition spd="slow" advTm="240000"/>
     </mc:Fallback>
   </mc:AlternateContent>
-</p:sld>
-</file>
-
-<file path=ppt/slides/slide20.xml><?xml version="1.0" encoding="utf-8"?>
-<p:sld xmlns:a="http://schemas.openxmlformats.org/drawingml/2006/main" xmlns:r="http://schemas.openxmlformats.org/officeDocument/2006/relationships" xmlns:p="http://schemas.openxmlformats.org/presentationml/2006/main">
-  <p:cSld>
-    <p:spTree>
-      <p:nvGrpSpPr>
-        <p:cNvPr id="1" name=""/>
-        <p:cNvGrpSpPr/>
-        <p:nvPr/>
-      </p:nvGrpSpPr>
-      <p:grpSpPr>
-        <a:xfrm>
-          <a:off x="0" y="0"/>
-          <a:ext cx="0" cy="0"/>
-          <a:chOff x="0" y="0"/>
-          <a:chExt cx="0" cy="0"/>
-        </a:xfrm>
-      </p:grpSpPr>
-      <p:sp>
-        <p:nvSpPr>
-          <p:cNvPr id="3" name="Rectangle 2">
-            <a:extLst>
-              <a:ext uri="{FF2B5EF4-FFF2-40B4-BE49-F238E27FC236}">
-                <a16:creationId xmlns:a16="http://schemas.microsoft.com/office/drawing/2014/main" id="{25C9728F-2044-42A6-9DD9-EA052EA5C07D}"/>
-              </a:ext>
-            </a:extLst>
-          </p:cNvPr>
-          <p:cNvSpPr/>
-          <p:nvPr/>
-        </p:nvSpPr>
-        <p:spPr>
-          <a:xfrm>
-            <a:off x="4893077" y="5184563"/>
-            <a:ext cx="433526" cy="266331"/>
-          </a:xfrm>
-          <a:prstGeom prst="rect">
-            <a:avLst/>
-          </a:prstGeom>
-          <a:solidFill>
-            <a:schemeClr val="bg1"/>
-          </a:solidFill>
-          <a:ln>
-            <a:solidFill>
-              <a:schemeClr val="bg1"/>
-            </a:solidFill>
-          </a:ln>
-        </p:spPr>
-        <p:style>
-          <a:lnRef idx="2">
-            <a:schemeClr val="accent1">
-              <a:shade val="50000"/>
-            </a:schemeClr>
-          </a:lnRef>
-          <a:fillRef idx="1">
-            <a:schemeClr val="accent1"/>
-          </a:fillRef>
-          <a:effectRef idx="0">
-            <a:schemeClr val="accent1"/>
-          </a:effectRef>
-          <a:fontRef idx="minor">
-            <a:schemeClr val="lt1"/>
-          </a:fontRef>
-        </p:style>
-        <p:txBody>
-          <a:bodyPr rtlCol="0" anchor="ctr"/>
-          <a:lstStyle/>
-          <a:p>
-            <a:pPr algn="ctr"/>
-            <a:endParaRPr lang="en-US"/>
-          </a:p>
-        </p:txBody>
-      </p:sp>
-      <p:sp>
-        <p:nvSpPr>
-          <p:cNvPr id="4" name="Rectangle 3">
-            <a:extLst>
-              <a:ext uri="{FF2B5EF4-FFF2-40B4-BE49-F238E27FC236}">
-                <a16:creationId xmlns:a16="http://schemas.microsoft.com/office/drawing/2014/main" id="{0F9594C5-155D-46B0-8861-CBC068AC1F66}"/>
-              </a:ext>
-            </a:extLst>
-          </p:cNvPr>
-          <p:cNvSpPr/>
-          <p:nvPr/>
-        </p:nvSpPr>
-        <p:spPr>
-          <a:xfrm>
-            <a:off x="7460203" y="4859045"/>
-            <a:ext cx="433526" cy="266331"/>
-          </a:xfrm>
-          <a:prstGeom prst="rect">
-            <a:avLst/>
-          </a:prstGeom>
-          <a:solidFill>
-            <a:schemeClr val="bg1"/>
-          </a:solidFill>
-          <a:ln>
-            <a:solidFill>
-              <a:schemeClr val="bg1"/>
-            </a:solidFill>
-          </a:ln>
-        </p:spPr>
-        <p:style>
-          <a:lnRef idx="2">
-            <a:schemeClr val="accent1">
-              <a:shade val="50000"/>
-            </a:schemeClr>
-          </a:lnRef>
-          <a:fillRef idx="1">
-            <a:schemeClr val="accent1"/>
-          </a:fillRef>
-          <a:effectRef idx="0">
-            <a:schemeClr val="accent1"/>
-          </a:effectRef>
-          <a:fontRef idx="minor">
-            <a:schemeClr val="lt1"/>
-          </a:fontRef>
-        </p:style>
-        <p:txBody>
-          <a:bodyPr rtlCol="0" anchor="ctr"/>
-          <a:lstStyle/>
-          <a:p>
-            <a:pPr algn="ctr"/>
-            <a:endParaRPr lang="en-US"/>
-          </a:p>
-        </p:txBody>
-      </p:sp>
-      <p:sp>
-        <p:nvSpPr>
-          <p:cNvPr id="6" name="Rectangle 5">
-            <a:extLst>
-              <a:ext uri="{FF2B5EF4-FFF2-40B4-BE49-F238E27FC236}">
-                <a16:creationId xmlns:a16="http://schemas.microsoft.com/office/drawing/2014/main" id="{3C8E3BA1-D526-4030-9953-9AC120817B0B}"/>
-              </a:ext>
-            </a:extLst>
-          </p:cNvPr>
-          <p:cNvSpPr/>
-          <p:nvPr/>
-        </p:nvSpPr>
-        <p:spPr>
-          <a:xfrm>
-            <a:off x="7535524" y="5177162"/>
-            <a:ext cx="433526" cy="266331"/>
-          </a:xfrm>
-          <a:prstGeom prst="rect">
-            <a:avLst/>
-          </a:prstGeom>
-          <a:solidFill>
-            <a:schemeClr val="bg1"/>
-          </a:solidFill>
-          <a:ln>
-            <a:solidFill>
-              <a:schemeClr val="bg1"/>
-            </a:solidFill>
-          </a:ln>
-        </p:spPr>
-        <p:style>
-          <a:lnRef idx="2">
-            <a:schemeClr val="accent1">
-              <a:shade val="50000"/>
-            </a:schemeClr>
-          </a:lnRef>
-          <a:fillRef idx="1">
-            <a:schemeClr val="accent1"/>
-          </a:fillRef>
-          <a:effectRef idx="0">
-            <a:schemeClr val="accent1"/>
-          </a:effectRef>
-          <a:fontRef idx="minor">
-            <a:schemeClr val="lt1"/>
-          </a:fontRef>
-        </p:style>
-        <p:txBody>
-          <a:bodyPr rtlCol="0" anchor="ctr"/>
-          <a:lstStyle/>
-          <a:p>
-            <a:pPr algn="ctr"/>
-            <a:endParaRPr lang="en-US"/>
-          </a:p>
-        </p:txBody>
-      </p:sp>
-      <p:sp>
-        <p:nvSpPr>
-          <p:cNvPr id="7" name="Rectangle 6">
-            <a:extLst>
-              <a:ext uri="{FF2B5EF4-FFF2-40B4-BE49-F238E27FC236}">
-                <a16:creationId xmlns:a16="http://schemas.microsoft.com/office/drawing/2014/main" id="{09D295C6-620C-4F29-B14B-1F4854583011}"/>
-              </a:ext>
-            </a:extLst>
-          </p:cNvPr>
-          <p:cNvSpPr/>
-          <p:nvPr/>
-        </p:nvSpPr>
-        <p:spPr>
-          <a:xfrm>
-            <a:off x="5871706" y="4866441"/>
-            <a:ext cx="433526" cy="266331"/>
-          </a:xfrm>
-          <a:prstGeom prst="rect">
-            <a:avLst/>
-          </a:prstGeom>
-          <a:solidFill>
-            <a:schemeClr val="bg1"/>
-          </a:solidFill>
-          <a:ln>
-            <a:solidFill>
-              <a:schemeClr val="bg1"/>
-            </a:solidFill>
-          </a:ln>
-        </p:spPr>
-        <p:style>
-          <a:lnRef idx="2">
-            <a:schemeClr val="accent1">
-              <a:shade val="50000"/>
-            </a:schemeClr>
-          </a:lnRef>
-          <a:fillRef idx="1">
-            <a:schemeClr val="accent1"/>
-          </a:fillRef>
-          <a:effectRef idx="0">
-            <a:schemeClr val="accent1"/>
-          </a:effectRef>
-          <a:fontRef idx="minor">
-            <a:schemeClr val="lt1"/>
-          </a:fontRef>
-        </p:style>
-        <p:txBody>
-          <a:bodyPr rtlCol="0" anchor="ctr"/>
-          <a:lstStyle/>
-          <a:p>
-            <a:pPr algn="ctr"/>
-            <a:endParaRPr lang="en-US"/>
-          </a:p>
-        </p:txBody>
-      </p:sp>
-      <p:sp>
-        <p:nvSpPr>
-          <p:cNvPr id="8" name="Rectangle 7">
-            <a:extLst>
-              <a:ext uri="{FF2B5EF4-FFF2-40B4-BE49-F238E27FC236}">
-                <a16:creationId xmlns:a16="http://schemas.microsoft.com/office/drawing/2014/main" id="{87FC4ED4-8B17-43EE-A03F-D392E2A8FCE7}"/>
-              </a:ext>
-            </a:extLst>
-          </p:cNvPr>
-          <p:cNvSpPr/>
-          <p:nvPr/>
-        </p:nvSpPr>
-        <p:spPr>
-          <a:xfrm>
-            <a:off x="4893077" y="4856085"/>
-            <a:ext cx="433526" cy="266331"/>
-          </a:xfrm>
-          <a:prstGeom prst="rect">
-            <a:avLst/>
-          </a:prstGeom>
-          <a:solidFill>
-            <a:schemeClr val="bg1"/>
-          </a:solidFill>
-          <a:ln>
-            <a:solidFill>
-              <a:schemeClr val="bg1"/>
-            </a:solidFill>
-          </a:ln>
-        </p:spPr>
-        <p:style>
-          <a:lnRef idx="2">
-            <a:schemeClr val="accent1">
-              <a:shade val="50000"/>
-            </a:schemeClr>
-          </a:lnRef>
-          <a:fillRef idx="1">
-            <a:schemeClr val="accent1"/>
-          </a:fillRef>
-          <a:effectRef idx="0">
-            <a:schemeClr val="accent1"/>
-          </a:effectRef>
-          <a:fontRef idx="minor">
-            <a:schemeClr val="lt1"/>
-          </a:fontRef>
-        </p:style>
-        <p:txBody>
-          <a:bodyPr rtlCol="0" anchor="ctr"/>
-          <a:lstStyle/>
-          <a:p>
-            <a:pPr algn="ctr"/>
-            <a:endParaRPr lang="en-US"/>
-          </a:p>
-        </p:txBody>
-      </p:sp>
-      <p:sp>
-        <p:nvSpPr>
-          <p:cNvPr id="9" name="Rectangle 8">
-            <a:extLst>
-              <a:ext uri="{FF2B5EF4-FFF2-40B4-BE49-F238E27FC236}">
-                <a16:creationId xmlns:a16="http://schemas.microsoft.com/office/drawing/2014/main" id="{D0FE678D-D40E-40CF-83C2-42357A1B909A}"/>
-              </a:ext>
-            </a:extLst>
-          </p:cNvPr>
-          <p:cNvSpPr/>
-          <p:nvPr/>
-        </p:nvSpPr>
-        <p:spPr>
-          <a:xfrm>
-            <a:off x="5834041" y="5184563"/>
-            <a:ext cx="433526" cy="266331"/>
-          </a:xfrm>
-          <a:prstGeom prst="rect">
-            <a:avLst/>
-          </a:prstGeom>
-          <a:solidFill>
-            <a:schemeClr val="bg1"/>
-          </a:solidFill>
-          <a:ln>
-            <a:solidFill>
-              <a:schemeClr val="bg1"/>
-            </a:solidFill>
-          </a:ln>
-        </p:spPr>
-        <p:style>
-          <a:lnRef idx="2">
-            <a:schemeClr val="accent1">
-              <a:shade val="50000"/>
-            </a:schemeClr>
-          </a:lnRef>
-          <a:fillRef idx="1">
-            <a:schemeClr val="accent1"/>
-          </a:fillRef>
-          <a:effectRef idx="0">
-            <a:schemeClr val="accent1"/>
-          </a:effectRef>
-          <a:fontRef idx="minor">
-            <a:schemeClr val="lt1"/>
-          </a:fontRef>
-        </p:style>
-        <p:txBody>
-          <a:bodyPr rtlCol="0" anchor="ctr"/>
-          <a:lstStyle/>
-          <a:p>
-            <a:pPr algn="ctr"/>
-            <a:endParaRPr lang="en-US"/>
-          </a:p>
-        </p:txBody>
-      </p:sp>
-      <p:sp>
-        <p:nvSpPr>
-          <p:cNvPr id="10" name="Rectangle 9">
-            <a:extLst>
-              <a:ext uri="{FF2B5EF4-FFF2-40B4-BE49-F238E27FC236}">
-                <a16:creationId xmlns:a16="http://schemas.microsoft.com/office/drawing/2014/main" id="{FA346FCA-21D6-495A-8237-AF590F0E0416}"/>
-              </a:ext>
-            </a:extLst>
-          </p:cNvPr>
-          <p:cNvSpPr/>
-          <p:nvPr/>
-        </p:nvSpPr>
-        <p:spPr>
-          <a:xfrm>
-            <a:off x="4893077" y="5504163"/>
-            <a:ext cx="433526" cy="233900"/>
-          </a:xfrm>
-          <a:prstGeom prst="rect">
-            <a:avLst/>
-          </a:prstGeom>
-          <a:solidFill>
-            <a:schemeClr val="bg1"/>
-          </a:solidFill>
-          <a:ln>
-            <a:solidFill>
-              <a:schemeClr val="bg1"/>
-            </a:solidFill>
-          </a:ln>
-        </p:spPr>
-        <p:style>
-          <a:lnRef idx="2">
-            <a:schemeClr val="accent1">
-              <a:shade val="50000"/>
-            </a:schemeClr>
-          </a:lnRef>
-          <a:fillRef idx="1">
-            <a:schemeClr val="accent1"/>
-          </a:fillRef>
-          <a:effectRef idx="0">
-            <a:schemeClr val="accent1"/>
-          </a:effectRef>
-          <a:fontRef idx="minor">
-            <a:schemeClr val="lt1"/>
-          </a:fontRef>
-        </p:style>
-        <p:txBody>
-          <a:bodyPr rtlCol="0" anchor="ctr"/>
-          <a:lstStyle/>
-          <a:p>
-            <a:pPr algn="ctr"/>
-            <a:endParaRPr lang="en-US"/>
-          </a:p>
-        </p:txBody>
-      </p:sp>
-      <p:sp>
-        <p:nvSpPr>
-          <p:cNvPr id="11" name="Rectangle 10">
-            <a:extLst>
-              <a:ext uri="{FF2B5EF4-FFF2-40B4-BE49-F238E27FC236}">
-                <a16:creationId xmlns:a16="http://schemas.microsoft.com/office/drawing/2014/main" id="{3A046B4D-AAF7-4DA2-BBF8-A58B5832E0E3}"/>
-              </a:ext>
-            </a:extLst>
-          </p:cNvPr>
-          <p:cNvSpPr/>
-          <p:nvPr/>
-        </p:nvSpPr>
-        <p:spPr>
-          <a:xfrm>
-            <a:off x="5871706" y="5489368"/>
-            <a:ext cx="433526" cy="266331"/>
-          </a:xfrm>
-          <a:prstGeom prst="rect">
-            <a:avLst/>
-          </a:prstGeom>
-          <a:solidFill>
-            <a:schemeClr val="bg1"/>
-          </a:solidFill>
-          <a:ln>
-            <a:solidFill>
-              <a:schemeClr val="bg1"/>
-            </a:solidFill>
-          </a:ln>
-        </p:spPr>
-        <p:style>
-          <a:lnRef idx="2">
-            <a:schemeClr val="accent1">
-              <a:shade val="50000"/>
-            </a:schemeClr>
-          </a:lnRef>
-          <a:fillRef idx="1">
-            <a:schemeClr val="accent1"/>
-          </a:fillRef>
-          <a:effectRef idx="0">
-            <a:schemeClr val="accent1"/>
-          </a:effectRef>
-          <a:fontRef idx="minor">
-            <a:schemeClr val="lt1"/>
-          </a:fontRef>
-        </p:style>
-        <p:txBody>
-          <a:bodyPr rtlCol="0" anchor="ctr"/>
-          <a:lstStyle/>
-          <a:p>
-            <a:pPr algn="ctr"/>
-            <a:endParaRPr lang="en-US"/>
-          </a:p>
-        </p:txBody>
-      </p:sp>
-      <p:sp>
-        <p:nvSpPr>
-          <p:cNvPr id="12" name="Rectangle 11">
-            <a:extLst>
-              <a:ext uri="{FF2B5EF4-FFF2-40B4-BE49-F238E27FC236}">
-                <a16:creationId xmlns:a16="http://schemas.microsoft.com/office/drawing/2014/main" id="{CC5C4F75-C478-4D5C-9371-58E0FD2529F3}"/>
-              </a:ext>
-            </a:extLst>
-          </p:cNvPr>
-          <p:cNvSpPr/>
-          <p:nvPr/>
-        </p:nvSpPr>
-        <p:spPr>
-          <a:xfrm>
-            <a:off x="7460203" y="5495285"/>
-            <a:ext cx="433526" cy="266331"/>
-          </a:xfrm>
-          <a:prstGeom prst="rect">
-            <a:avLst/>
-          </a:prstGeom>
-          <a:solidFill>
-            <a:schemeClr val="bg1"/>
-          </a:solidFill>
-          <a:ln>
-            <a:solidFill>
-              <a:schemeClr val="bg1"/>
-            </a:solidFill>
-          </a:ln>
-        </p:spPr>
-        <p:style>
-          <a:lnRef idx="2">
-            <a:schemeClr val="accent1">
-              <a:shade val="50000"/>
-            </a:schemeClr>
-          </a:lnRef>
-          <a:fillRef idx="1">
-            <a:schemeClr val="accent1"/>
-          </a:fillRef>
-          <a:effectRef idx="0">
-            <a:schemeClr val="accent1"/>
-          </a:effectRef>
-          <a:fontRef idx="minor">
-            <a:schemeClr val="lt1"/>
-          </a:fontRef>
-        </p:style>
-        <p:txBody>
-          <a:bodyPr rtlCol="0" anchor="ctr"/>
-          <a:lstStyle/>
-          <a:p>
-            <a:pPr algn="ctr"/>
-            <a:endParaRPr lang="en-US"/>
-          </a:p>
-        </p:txBody>
-      </p:sp>
-      <p:sp>
-        <p:nvSpPr>
-          <p:cNvPr id="13" name="Rectangle 12">
-            <a:extLst>
-              <a:ext uri="{FF2B5EF4-FFF2-40B4-BE49-F238E27FC236}">
-                <a16:creationId xmlns:a16="http://schemas.microsoft.com/office/drawing/2014/main" id="{2BBE8D50-AE35-4BC3-8861-657847901AF4}"/>
-              </a:ext>
-            </a:extLst>
-          </p:cNvPr>
-          <p:cNvSpPr/>
-          <p:nvPr/>
-        </p:nvSpPr>
-        <p:spPr>
-          <a:xfrm>
-            <a:off x="7535524" y="5822280"/>
-            <a:ext cx="433526" cy="266331"/>
-          </a:xfrm>
-          <a:prstGeom prst="rect">
-            <a:avLst/>
-          </a:prstGeom>
-          <a:solidFill>
-            <a:schemeClr val="bg1"/>
-          </a:solidFill>
-          <a:ln>
-            <a:solidFill>
-              <a:schemeClr val="bg1"/>
-            </a:solidFill>
-          </a:ln>
-        </p:spPr>
-        <p:style>
-          <a:lnRef idx="2">
-            <a:schemeClr val="accent1">
-              <a:shade val="50000"/>
-            </a:schemeClr>
-          </a:lnRef>
-          <a:fillRef idx="1">
-            <a:schemeClr val="accent1"/>
-          </a:fillRef>
-          <a:effectRef idx="0">
-            <a:schemeClr val="accent1"/>
-          </a:effectRef>
-          <a:fontRef idx="minor">
-            <a:schemeClr val="lt1"/>
-          </a:fontRef>
-        </p:style>
-        <p:txBody>
-          <a:bodyPr rtlCol="0" anchor="ctr"/>
-          <a:lstStyle/>
-          <a:p>
-            <a:pPr algn="ctr"/>
-            <a:endParaRPr lang="en-US"/>
-          </a:p>
-        </p:txBody>
-      </p:sp>
-      <p:sp>
-        <p:nvSpPr>
-          <p:cNvPr id="14" name="Rectangle 13">
-            <a:extLst>
-              <a:ext uri="{FF2B5EF4-FFF2-40B4-BE49-F238E27FC236}">
-                <a16:creationId xmlns:a16="http://schemas.microsoft.com/office/drawing/2014/main" id="{DE74EA0A-35F4-4036-940C-2C035225FC7D}"/>
-              </a:ext>
-            </a:extLst>
-          </p:cNvPr>
-          <p:cNvSpPr/>
-          <p:nvPr/>
-        </p:nvSpPr>
-        <p:spPr>
-          <a:xfrm>
-            <a:off x="5970838" y="5810449"/>
-            <a:ext cx="433526" cy="266331"/>
-          </a:xfrm>
-          <a:prstGeom prst="rect">
-            <a:avLst/>
-          </a:prstGeom>
-          <a:solidFill>
-            <a:schemeClr val="bg1"/>
-          </a:solidFill>
-          <a:ln>
-            <a:solidFill>
-              <a:schemeClr val="bg1"/>
-            </a:solidFill>
-          </a:ln>
-        </p:spPr>
-        <p:style>
-          <a:lnRef idx="2">
-            <a:schemeClr val="accent1">
-              <a:shade val="50000"/>
-            </a:schemeClr>
-          </a:lnRef>
-          <a:fillRef idx="1">
-            <a:schemeClr val="accent1"/>
-          </a:fillRef>
-          <a:effectRef idx="0">
-            <a:schemeClr val="accent1"/>
-          </a:effectRef>
-          <a:fontRef idx="minor">
-            <a:schemeClr val="lt1"/>
-          </a:fontRef>
-        </p:style>
-        <p:txBody>
-          <a:bodyPr rtlCol="0" anchor="ctr"/>
-          <a:lstStyle/>
-          <a:p>
-            <a:pPr algn="ctr"/>
-            <a:endParaRPr lang="en-US"/>
-          </a:p>
-        </p:txBody>
-      </p:sp>
-      <p:sp>
-        <p:nvSpPr>
-          <p:cNvPr id="15" name="Rectangle 14">
-            <a:extLst>
-              <a:ext uri="{FF2B5EF4-FFF2-40B4-BE49-F238E27FC236}">
-                <a16:creationId xmlns:a16="http://schemas.microsoft.com/office/drawing/2014/main" id="{B06B88A8-D534-41E8-9CBA-6B727F100B53}"/>
-              </a:ext>
-            </a:extLst>
-          </p:cNvPr>
-          <p:cNvSpPr/>
-          <p:nvPr/>
-        </p:nvSpPr>
-        <p:spPr>
-          <a:xfrm>
-            <a:off x="4870017" y="5810450"/>
-            <a:ext cx="433526" cy="266331"/>
-          </a:xfrm>
-          <a:prstGeom prst="rect">
-            <a:avLst/>
-          </a:prstGeom>
-          <a:solidFill>
-            <a:schemeClr val="bg1"/>
-          </a:solidFill>
-          <a:ln>
-            <a:solidFill>
-              <a:schemeClr val="bg1"/>
-            </a:solidFill>
-          </a:ln>
-        </p:spPr>
-        <p:style>
-          <a:lnRef idx="2">
-            <a:schemeClr val="accent1">
-              <a:shade val="50000"/>
-            </a:schemeClr>
-          </a:lnRef>
-          <a:fillRef idx="1">
-            <a:schemeClr val="accent1"/>
-          </a:fillRef>
-          <a:effectRef idx="0">
-            <a:schemeClr val="accent1"/>
-          </a:effectRef>
-          <a:fontRef idx="minor">
-            <a:schemeClr val="lt1"/>
-          </a:fontRef>
-        </p:style>
-        <p:txBody>
-          <a:bodyPr rtlCol="0" anchor="ctr"/>
-          <a:lstStyle/>
-          <a:p>
-            <a:pPr algn="ctr"/>
-            <a:endParaRPr lang="en-US"/>
-          </a:p>
-        </p:txBody>
-      </p:sp>
-      <p:sp>
-        <p:nvSpPr>
-          <p:cNvPr id="16" name="Rectangle 15">
-            <a:extLst>
-              <a:ext uri="{FF2B5EF4-FFF2-40B4-BE49-F238E27FC236}">
-                <a16:creationId xmlns:a16="http://schemas.microsoft.com/office/drawing/2014/main" id="{BD506ADA-1C16-4573-B13D-A904F9C958D0}"/>
-              </a:ext>
-            </a:extLst>
-          </p:cNvPr>
-          <p:cNvSpPr/>
-          <p:nvPr/>
-        </p:nvSpPr>
-        <p:spPr>
-          <a:xfrm>
-            <a:off x="2342368" y="1830279"/>
-            <a:ext cx="7290499" cy="797511"/>
-          </a:xfrm>
-          <a:prstGeom prst="rect">
-            <a:avLst/>
-          </a:prstGeom>
-          <a:solidFill>
-            <a:schemeClr val="bg1"/>
-          </a:solidFill>
-          <a:ln>
-            <a:solidFill>
-              <a:schemeClr val="bg1"/>
-            </a:solidFill>
-          </a:ln>
-        </p:spPr>
-        <p:style>
-          <a:lnRef idx="2">
-            <a:schemeClr val="accent1">
-              <a:shade val="50000"/>
-            </a:schemeClr>
-          </a:lnRef>
-          <a:fillRef idx="1">
-            <a:schemeClr val="accent1"/>
-          </a:fillRef>
-          <a:effectRef idx="0">
-            <a:schemeClr val="accent1"/>
-          </a:effectRef>
-          <a:fontRef idx="minor">
-            <a:schemeClr val="lt1"/>
-          </a:fontRef>
-        </p:style>
-        <p:txBody>
-          <a:bodyPr rtlCol="0" anchor="ctr"/>
-          <a:lstStyle/>
-          <a:p>
-            <a:pPr algn="ctr"/>
-            <a:endParaRPr lang="en-US"/>
-          </a:p>
-        </p:txBody>
-      </p:sp>
-      <p:sp>
-        <p:nvSpPr>
-          <p:cNvPr id="2" name="Footer Placeholder 1">
-            <a:extLst>
-              <a:ext uri="{FF2B5EF4-FFF2-40B4-BE49-F238E27FC236}">
-                <a16:creationId xmlns:a16="http://schemas.microsoft.com/office/drawing/2014/main" id="{F64E14E6-4F33-4AFE-BEBC-BAB574EE861A}"/>
-              </a:ext>
-            </a:extLst>
-          </p:cNvPr>
-          <p:cNvSpPr>
-            <a:spLocks noGrp="1"/>
-          </p:cNvSpPr>
-          <p:nvPr>
-            <p:ph type="ftr" sz="quarter" idx="11"/>
-          </p:nvPr>
-        </p:nvSpPr>
-        <p:spPr/>
-        <p:txBody>
-          <a:bodyPr/>
-          <a:lstStyle/>
-          <a:p>
-            <a:r>
-              <a:rPr lang="en-US"/>
-              <a:t>Dr. Nike Dattani, MATH 135, Fall 2021</a:t>
-            </a:r>
-            <a:endParaRPr lang="en-US" dirty="0"/>
-          </a:p>
-        </p:txBody>
-      </p:sp>
-      <p:pic>
-        <p:nvPicPr>
-          <p:cNvPr id="18" name="Picture 17">
-            <a:extLst>
-              <a:ext uri="{FF2B5EF4-FFF2-40B4-BE49-F238E27FC236}">
-                <a16:creationId xmlns:a16="http://schemas.microsoft.com/office/drawing/2014/main" id="{A35D4027-C099-4FD6-96EE-93CC0AE7042B}"/>
-              </a:ext>
-            </a:extLst>
-          </p:cNvPr>
-          <p:cNvPicPr>
-            <a:picLocks noChangeAspect="1"/>
-          </p:cNvPicPr>
-          <p:nvPr/>
-        </p:nvPicPr>
-        <p:blipFill>
-          <a:blip r:embed="rId2"/>
-          <a:stretch>
-            <a:fillRect/>
-          </a:stretch>
-        </p:blipFill>
-        <p:spPr>
-          <a:xfrm>
-            <a:off x="1749669" y="253938"/>
-            <a:ext cx="8018585" cy="6285926"/>
-          </a:xfrm>
-          <a:prstGeom prst="rect">
-            <a:avLst/>
-          </a:prstGeom>
-        </p:spPr>
-      </p:pic>
-    </p:spTree>
-    <p:extLst>
-      <p:ext uri="{BB962C8B-B14F-4D97-AF65-F5344CB8AC3E}">
-        <p14:creationId xmlns:p14="http://schemas.microsoft.com/office/powerpoint/2010/main" val="1145775900"/>
-      </p:ext>
-    </p:extLst>
-  </p:cSld>
-  <p:clrMapOvr>
-    <a:masterClrMapping/>
-  </p:clrMapOvr>
 </p:sld>
 </file>
 
@@ -17031,18 +12831,14 @@
           </a:p>
           <a:p>
             <a:r>
-              <a:rPr lang="en-US" sz="3600"/>
+              <a:rPr lang="en-US" sz="3600" dirty="0"/>
               <a:t>  </a:t>
             </a:r>
           </a:p>
           <a:p>
             <a:r>
-              <a:rPr lang="en-US" sz="3600"/>
-              <a:t>   </a:t>
-            </a:r>
-            <a:r>
               <a:rPr lang="en-US" sz="3600" dirty="0"/>
-              <a:t>If you want to challenge yourself then why not learn the whole course by yourself? </a:t>
+              <a:t>   If you’re not using these resources in order to challenge yourself, then why not learn the whole course by yourself? </a:t>
             </a:r>
           </a:p>
           <a:p>
